--- a/higgs/presentation/vinh.pptx
+++ b/higgs/presentation/vinh.pptx
@@ -271,7 +271,7 @@
               <a:rPr lang="en-US" smtClean="0">
                 <a:latin typeface="Arial" panose="020B0604020202020204" pitchFamily="34" charset="0"/>
               </a:rPr>
-              <a:t>4/20/25</a:t>
+              <a:t>4/21/25</a:t>
             </a:fld>
             <a:endParaRPr lang="en-US" dirty="0">
               <a:latin typeface="Arial" panose="020B0604020202020204" pitchFamily="34" charset="0"/>
@@ -456,7 +456,7 @@
           <a:p>
             <a:fld id="{AEE79D00-1CDF-434B-8F0A-8ED0A64E848E}" type="datetimeFigureOut">
               <a:rPr lang="en-US" smtClean="0"/>
-              <a:t>4/20/25</a:t>
+              <a:t>4/21/25</a:t>
             </a:fld>
             <a:endParaRPr lang="en-US"/>
           </a:p>
@@ -12919,7 +12919,7 @@
             <a:fld id="{663B815B-A8F6-D74A-9BCF-ECE7300C0FDA}" type="datetimeFigureOut">
               <a:rPr lang="en-US" smtClean="0"/>
               <a:pPr/>
-              <a:t>4/20/25</a:t>
+              <a:t>4/21/25</a:t>
             </a:fld>
             <a:endParaRPr lang="en-US" dirty="0"/>
           </a:p>
@@ -13520,7 +13520,7 @@
             <a:fld id="{663B815B-A8F6-D74A-9BCF-ECE7300C0FDA}" type="datetimeFigureOut">
               <a:rPr lang="en-US" smtClean="0"/>
               <a:pPr/>
-              <a:t>4/20/25</a:t>
+              <a:t>4/21/25</a:t>
             </a:fld>
             <a:endParaRPr lang="en-US" dirty="0"/>
           </a:p>
@@ -14110,7 +14110,7 @@
             <a:fld id="{663B815B-A8F6-D74A-9BCF-ECE7300C0FDA}" type="datetimeFigureOut">
               <a:rPr lang="en-US" smtClean="0"/>
               <a:pPr/>
-              <a:t>4/20/25</a:t>
+              <a:t>4/21/25</a:t>
             </a:fld>
             <a:endParaRPr lang="en-US" dirty="0"/>
           </a:p>
@@ -14700,7 +14700,7 @@
             <a:fld id="{663B815B-A8F6-D74A-9BCF-ECE7300C0FDA}" type="datetimeFigureOut">
               <a:rPr lang="en-US" smtClean="0"/>
               <a:pPr/>
-              <a:t>4/20/25</a:t>
+              <a:t>4/21/25</a:t>
             </a:fld>
             <a:endParaRPr lang="en-US" dirty="0"/>
           </a:p>
@@ -15136,8 +15136,8 @@
           <a:chExt cx="0" cy="0"/>
         </a:xfrm>
       </p:grpSpPr>
-      <mc:AlternateContent xmlns:mc="http://schemas.openxmlformats.org/markup-compatibility/2006">
-        <mc:Choice xmlns:a14="http://schemas.microsoft.com/office/drawing/2010/main" Requires="a14">
+      <mc:AlternateContent xmlns:mc="http://schemas.openxmlformats.org/markup-compatibility/2006" xmlns:a14="http://schemas.microsoft.com/office/drawing/2010/main">
+        <mc:Choice Requires="a14">
           <p:sp>
             <p:nvSpPr>
               <p:cNvPr id="5" name="Title 4">
@@ -15269,7 +15269,7 @@
             </p:txBody>
           </p:sp>
         </mc:Choice>
-        <mc:Fallback>
+        <mc:Fallback xmlns="">
           <p:sp>
             <p:nvSpPr>
               <p:cNvPr id="5" name="Title 4">
@@ -15499,8 +15499,8 @@
           </a:p>
         </p:txBody>
       </p:sp>
-      <mc:AlternateContent xmlns:mc="http://schemas.openxmlformats.org/markup-compatibility/2006">
-        <mc:Choice xmlns:a14="http://schemas.microsoft.com/office/drawing/2010/main" Requires="a14">
+      <mc:AlternateContent xmlns:mc="http://schemas.openxmlformats.org/markup-compatibility/2006" xmlns:a14="http://schemas.microsoft.com/office/drawing/2010/main">
+        <mc:Choice Requires="a14">
           <p:sp>
             <p:nvSpPr>
               <p:cNvPr id="3" name="Text Placeholder 2">
@@ -15548,7 +15548,7 @@
             </p:txBody>
           </p:sp>
         </mc:Choice>
-        <mc:Fallback>
+        <mc:Fallback xmlns="">
           <p:sp>
             <p:nvSpPr>
               <p:cNvPr id="3" name="Text Placeholder 2">
@@ -15680,8 +15680,8 @@
           </a:p>
         </p:txBody>
       </p:sp>
-      <mc:AlternateContent xmlns:mc="http://schemas.openxmlformats.org/markup-compatibility/2006">
-        <mc:Choice xmlns:a14="http://schemas.microsoft.com/office/drawing/2010/main" Requires="a14">
+      <mc:AlternateContent xmlns:mc="http://schemas.openxmlformats.org/markup-compatibility/2006" xmlns:a14="http://schemas.microsoft.com/office/drawing/2010/main">
+        <mc:Choice Requires="a14">
           <p:sp>
             <p:nvSpPr>
               <p:cNvPr id="3" name="Text Placeholder 2">
@@ -15828,7 +15828,7 @@
             </p:txBody>
           </p:sp>
         </mc:Choice>
-        <mc:Fallback>
+        <mc:Fallback xmlns="">
           <p:sp>
             <p:nvSpPr>
               <p:cNvPr id="3" name="Text Placeholder 2">
@@ -15960,8 +15960,8 @@
           </a:p>
         </p:txBody>
       </p:sp>
-      <mc:AlternateContent xmlns:mc="http://schemas.openxmlformats.org/markup-compatibility/2006">
-        <mc:Choice xmlns:a14="http://schemas.microsoft.com/office/drawing/2010/main" Requires="a14">
+      <mc:AlternateContent xmlns:mc="http://schemas.openxmlformats.org/markup-compatibility/2006" xmlns:a14="http://schemas.microsoft.com/office/drawing/2010/main">
+        <mc:Choice Requires="a14">
           <p:sp>
             <p:nvSpPr>
               <p:cNvPr id="3" name="Text Placeholder 2">
@@ -16118,7 +16118,7 @@
             </p:txBody>
           </p:sp>
         </mc:Choice>
-        <mc:Fallback>
+        <mc:Fallback xmlns="">
           <p:sp>
             <p:nvSpPr>
               <p:cNvPr id="3" name="Text Placeholder 2">
@@ -16374,8 +16374,8 @@
           </a:p>
         </p:txBody>
       </p:sp>
-      <mc:AlternateContent xmlns:mc="http://schemas.openxmlformats.org/markup-compatibility/2006">
-        <mc:Choice xmlns:a14="http://schemas.microsoft.com/office/drawing/2010/main" Requires="a14">
+      <mc:AlternateContent xmlns:mc="http://schemas.openxmlformats.org/markup-compatibility/2006" xmlns:a14="http://schemas.microsoft.com/office/drawing/2010/main">
+        <mc:Choice Requires="a14">
           <p:sp>
             <p:nvSpPr>
               <p:cNvPr id="3" name="Text Placeholder 2">
@@ -16442,7 +16442,7 @@
             </p:txBody>
           </p:sp>
         </mc:Choice>
-        <mc:Fallback>
+        <mc:Fallback xmlns="">
           <p:sp>
             <p:nvSpPr>
               <p:cNvPr id="3" name="Text Placeholder 2">
@@ -16626,8 +16626,8 @@
           </a:p>
         </p:txBody>
       </p:sp>
-      <mc:AlternateContent xmlns:mc="http://schemas.openxmlformats.org/markup-compatibility/2006">
-        <mc:Choice xmlns:a14="http://schemas.microsoft.com/office/drawing/2010/main" Requires="a14">
+      <mc:AlternateContent xmlns:mc="http://schemas.openxmlformats.org/markup-compatibility/2006" xmlns:a14="http://schemas.microsoft.com/office/drawing/2010/main">
+        <mc:Choice Requires="a14">
           <p:sp>
             <p:nvSpPr>
               <p:cNvPr id="3" name="Text Placeholder 2">
@@ -16704,7 +16704,7 @@
             </p:txBody>
           </p:sp>
         </mc:Choice>
-        <mc:Fallback>
+        <mc:Fallback xmlns="">
           <p:sp>
             <p:nvSpPr>
               <p:cNvPr id="3" name="Text Placeholder 2">
@@ -16830,8 +16830,8 @@
           </a:p>
         </p:txBody>
       </p:sp>
-      <mc:AlternateContent xmlns:mc="http://schemas.openxmlformats.org/markup-compatibility/2006">
-        <mc:Choice xmlns:a14="http://schemas.microsoft.com/office/drawing/2010/main" Requires="a14">
+      <mc:AlternateContent xmlns:mc="http://schemas.openxmlformats.org/markup-compatibility/2006" xmlns:a14="http://schemas.microsoft.com/office/drawing/2010/main">
+        <mc:Choice Requires="a14">
           <p:sp>
             <p:nvSpPr>
               <p:cNvPr id="3" name="Text Placeholder 2">
@@ -16908,7 +16908,7 @@
             </p:txBody>
           </p:sp>
         </mc:Choice>
-        <mc:Fallback>
+        <mc:Fallback xmlns="">
           <p:sp>
             <p:nvSpPr>
               <p:cNvPr id="3" name="Text Placeholder 2">
@@ -17092,8 +17092,8 @@
           </a:p>
         </p:txBody>
       </p:sp>
-      <mc:AlternateContent xmlns:mc="http://schemas.openxmlformats.org/markup-compatibility/2006">
-        <mc:Choice xmlns:a14="http://schemas.microsoft.com/office/drawing/2010/main" Requires="a14">
+      <mc:AlternateContent xmlns:mc="http://schemas.openxmlformats.org/markup-compatibility/2006" xmlns:a14="http://schemas.microsoft.com/office/drawing/2010/main">
+        <mc:Choice Requires="a14">
           <p:sp>
             <p:nvSpPr>
               <p:cNvPr id="3" name="Text Placeholder 2">
@@ -17170,7 +17170,7 @@
             </p:txBody>
           </p:sp>
         </mc:Choice>
-        <mc:Fallback>
+        <mc:Fallback xmlns="">
           <p:sp>
             <p:nvSpPr>
               <p:cNvPr id="3" name="Text Placeholder 2">
@@ -17354,8 +17354,8 @@
           </a:p>
         </p:txBody>
       </p:sp>
-      <mc:AlternateContent xmlns:mc="http://schemas.openxmlformats.org/markup-compatibility/2006">
-        <mc:Choice xmlns:a14="http://schemas.microsoft.com/office/drawing/2010/main" Requires="a14">
+      <mc:AlternateContent xmlns:mc="http://schemas.openxmlformats.org/markup-compatibility/2006" xmlns:a14="http://schemas.microsoft.com/office/drawing/2010/main">
+        <mc:Choice Requires="a14">
           <p:sp>
             <p:nvSpPr>
               <p:cNvPr id="3" name="Text Placeholder 2">
@@ -17432,7 +17432,7 @@
             </p:txBody>
           </p:sp>
         </mc:Choice>
-        <mc:Fallback>
+        <mc:Fallback xmlns="">
           <p:sp>
             <p:nvSpPr>
               <p:cNvPr id="3" name="Text Placeholder 2">
@@ -17616,8 +17616,8 @@
           </a:p>
         </p:txBody>
       </p:sp>
-      <mc:AlternateContent xmlns:mc="http://schemas.openxmlformats.org/markup-compatibility/2006">
-        <mc:Choice xmlns:a14="http://schemas.microsoft.com/office/drawing/2010/main" Requires="a14">
+      <mc:AlternateContent xmlns:mc="http://schemas.openxmlformats.org/markup-compatibility/2006" xmlns:a14="http://schemas.microsoft.com/office/drawing/2010/main">
+        <mc:Choice Requires="a14">
           <p:sp>
             <p:nvSpPr>
               <p:cNvPr id="3" name="Text Placeholder 2">
@@ -17694,7 +17694,7 @@
             </p:txBody>
           </p:sp>
         </mc:Choice>
-        <mc:Fallback>
+        <mc:Fallback xmlns="">
           <p:sp>
             <p:nvSpPr>
               <p:cNvPr id="3" name="Text Placeholder 2">
@@ -17996,8 +17996,8 @@
           </a:p>
         </p:txBody>
       </p:sp>
-      <mc:AlternateContent xmlns:mc="http://schemas.openxmlformats.org/markup-compatibility/2006">
-        <mc:Choice xmlns:a14="http://schemas.microsoft.com/office/drawing/2010/main" Requires="a14">
+      <mc:AlternateContent xmlns:mc="http://schemas.openxmlformats.org/markup-compatibility/2006" xmlns:a14="http://schemas.microsoft.com/office/drawing/2010/main">
+        <mc:Choice Requires="a14">
           <p:sp>
             <p:nvSpPr>
               <p:cNvPr id="3" name="Text Placeholder 2">
@@ -18185,7 +18185,7 @@
             </p:txBody>
           </p:sp>
         </mc:Choice>
-        <mc:Fallback>
+        <mc:Fallback xmlns="">
           <p:sp>
             <p:nvSpPr>
               <p:cNvPr id="3" name="Text Placeholder 2">
@@ -18317,8 +18317,8 @@
           </a:p>
         </p:txBody>
       </p:sp>
-      <mc:AlternateContent xmlns:mc="http://schemas.openxmlformats.org/markup-compatibility/2006">
-        <mc:Choice xmlns:a14="http://schemas.microsoft.com/office/drawing/2010/main" Requires="a14">
+      <mc:AlternateContent xmlns:mc="http://schemas.openxmlformats.org/markup-compatibility/2006" xmlns:a14="http://schemas.microsoft.com/office/drawing/2010/main">
+        <mc:Choice Requires="a14">
           <p:sp>
             <p:nvSpPr>
               <p:cNvPr id="3" name="Text Placeholder 2">
@@ -18662,7 +18662,7 @@
             </p:txBody>
           </p:sp>
         </mc:Choice>
-        <mc:Fallback>
+        <mc:Fallback xmlns="">
           <p:sp>
             <p:nvSpPr>
               <p:cNvPr id="3" name="Text Placeholder 2">
@@ -18766,8 +18766,8 @@
           <a:chExt cx="0" cy="0"/>
         </a:xfrm>
       </p:grpSpPr>
-      <mc:AlternateContent xmlns:mc="http://schemas.openxmlformats.org/markup-compatibility/2006">
-        <mc:Choice xmlns:a14="http://schemas.microsoft.com/office/drawing/2010/main" Requires="a14">
+      <mc:AlternateContent xmlns:mc="http://schemas.openxmlformats.org/markup-compatibility/2006" xmlns:a14="http://schemas.microsoft.com/office/drawing/2010/main">
+        <mc:Choice Requires="a14">
           <p:sp>
             <p:nvSpPr>
               <p:cNvPr id="2" name="Text Placeholder 1">
@@ -18846,7 +18846,7 @@
             </p:txBody>
           </p:sp>
         </mc:Choice>
-        <mc:Fallback>
+        <mc:Fallback xmlns="">
           <p:sp>
             <p:nvSpPr>
               <p:cNvPr id="2" name="Text Placeholder 1">
@@ -18954,8 +18954,8 @@
           <a:chExt cx="0" cy="0"/>
         </a:xfrm>
       </p:grpSpPr>
-      <mc:AlternateContent xmlns:mc="http://schemas.openxmlformats.org/markup-compatibility/2006">
-        <mc:Choice xmlns:a14="http://schemas.microsoft.com/office/drawing/2010/main" Requires="a14">
+      <mc:AlternateContent xmlns:mc="http://schemas.openxmlformats.org/markup-compatibility/2006" xmlns:a14="http://schemas.microsoft.com/office/drawing/2010/main">
+        <mc:Choice Requires="a14">
           <p:sp>
             <p:nvSpPr>
               <p:cNvPr id="2" name="Text Placeholder 1">
@@ -19040,7 +19040,7 @@
             </p:txBody>
           </p:sp>
         </mc:Choice>
-        <mc:Fallback>
+        <mc:Fallback xmlns="">
           <p:sp>
             <p:nvSpPr>
               <p:cNvPr id="2" name="Text Placeholder 1">
@@ -19148,8 +19148,8 @@
           <a:chExt cx="0" cy="0"/>
         </a:xfrm>
       </p:grpSpPr>
-      <mc:AlternateContent xmlns:mc="http://schemas.openxmlformats.org/markup-compatibility/2006">
-        <mc:Choice xmlns:a14="http://schemas.microsoft.com/office/drawing/2010/main" Requires="a14">
+      <mc:AlternateContent xmlns:mc="http://schemas.openxmlformats.org/markup-compatibility/2006" xmlns:a14="http://schemas.microsoft.com/office/drawing/2010/main">
+        <mc:Choice Requires="a14">
           <p:sp>
             <p:nvSpPr>
               <p:cNvPr id="2" name="Text Placeholder 1">
@@ -19383,7 +19383,7 @@
             </p:txBody>
           </p:sp>
         </mc:Choice>
-        <mc:Fallback>
+        <mc:Fallback xmlns="">
           <p:sp>
             <p:nvSpPr>
               <p:cNvPr id="2" name="Text Placeholder 1">
@@ -19491,8 +19491,8 @@
           <a:chExt cx="0" cy="0"/>
         </a:xfrm>
       </p:grpSpPr>
-      <mc:AlternateContent xmlns:mc="http://schemas.openxmlformats.org/markup-compatibility/2006">
-        <mc:Choice xmlns:a14="http://schemas.microsoft.com/office/drawing/2010/main" Requires="a14">
+      <mc:AlternateContent xmlns:mc="http://schemas.openxmlformats.org/markup-compatibility/2006" xmlns:a14="http://schemas.microsoft.com/office/drawing/2010/main">
+        <mc:Choice Requires="a14">
           <p:sp>
             <p:nvSpPr>
               <p:cNvPr id="2" name="Text Placeholder 1">
@@ -19870,7 +19870,7 @@
             </p:txBody>
           </p:sp>
         </mc:Choice>
-        <mc:Fallback>
+        <mc:Fallback xmlns="">
           <p:sp>
             <p:nvSpPr>
               <p:cNvPr id="2" name="Text Placeholder 1">
@@ -19978,8 +19978,8 @@
           <a:chExt cx="0" cy="0"/>
         </a:xfrm>
       </p:grpSpPr>
-      <mc:AlternateContent xmlns:mc="http://schemas.openxmlformats.org/markup-compatibility/2006">
-        <mc:Choice xmlns:a14="http://schemas.microsoft.com/office/drawing/2010/main" Requires="a14">
+      <mc:AlternateContent xmlns:mc="http://schemas.openxmlformats.org/markup-compatibility/2006" xmlns:a14="http://schemas.microsoft.com/office/drawing/2010/main">
+        <mc:Choice Requires="a14">
           <p:sp>
             <p:nvSpPr>
               <p:cNvPr id="2" name="Text Placeholder 1">
@@ -20688,7 +20688,7 @@
             </p:txBody>
           </p:sp>
         </mc:Choice>
-        <mc:Fallback>
+        <mc:Fallback xmlns="">
           <p:sp>
             <p:nvSpPr>
               <p:cNvPr id="2" name="Text Placeholder 1">
@@ -21166,7 +21166,7 @@
                       <a:rPr lang="en-US" sz="1900" b="0" i="1" smtClean="0">
                         <a:latin typeface="Cambria Math" panose="02040503050406030204" pitchFamily="18" charset="0"/>
                       </a:rPr>
-                      <m:t>&lt;0.4</m:t>
+                      <m:t>&lt;4</m:t>
                     </m:r>
                   </m:oMath>
                 </a14:m>
@@ -21670,8 +21670,8 @@
           </a:p>
         </p:txBody>
       </p:sp>
-      <mc:AlternateContent xmlns:mc="http://schemas.openxmlformats.org/markup-compatibility/2006">
-        <mc:Choice xmlns:a14="http://schemas.microsoft.com/office/drawing/2010/main" Requires="a14">
+      <mc:AlternateContent xmlns:mc="http://schemas.openxmlformats.org/markup-compatibility/2006" xmlns:a14="http://schemas.microsoft.com/office/drawing/2010/main">
+        <mc:Choice Requires="a14">
           <p:sp>
             <p:nvSpPr>
               <p:cNvPr id="3" name="Text Placeholder 2">
@@ -21908,7 +21908,7 @@
             </p:txBody>
           </p:sp>
         </mc:Choice>
-        <mc:Fallback>
+        <mc:Fallback xmlns="">
           <p:sp>
             <p:nvSpPr>
               <p:cNvPr id="3" name="Text Placeholder 2">
@@ -22016,8 +22016,8 @@
           </a:p>
         </p:txBody>
       </p:sp>
-      <mc:AlternateContent xmlns:mc="http://schemas.openxmlformats.org/markup-compatibility/2006">
-        <mc:Choice xmlns:a14="http://schemas.microsoft.com/office/drawing/2010/main" Requires="a14">
+      <mc:AlternateContent xmlns:mc="http://schemas.openxmlformats.org/markup-compatibility/2006" xmlns:a14="http://schemas.microsoft.com/office/drawing/2010/main">
+        <mc:Choice Requires="a14">
           <p:sp>
             <p:nvSpPr>
               <p:cNvPr id="3" name="Text Placeholder 2">
@@ -22449,7 +22449,7 @@
             </p:txBody>
           </p:sp>
         </mc:Choice>
-        <mc:Fallback>
+        <mc:Fallback xmlns="">
           <p:sp>
             <p:nvSpPr>
               <p:cNvPr id="3" name="Text Placeholder 2">
@@ -22691,8 +22691,8 @@
           </a:p>
         </p:txBody>
       </p:sp>
-      <mc:AlternateContent xmlns:mc="http://schemas.openxmlformats.org/markup-compatibility/2006">
-        <mc:Choice xmlns:a14="http://schemas.microsoft.com/office/drawing/2010/main" Requires="a14">
+      <mc:AlternateContent xmlns:mc="http://schemas.openxmlformats.org/markup-compatibility/2006" xmlns:a14="http://schemas.microsoft.com/office/drawing/2010/main">
+        <mc:Choice Requires="a14">
           <p:sp>
             <p:nvSpPr>
               <p:cNvPr id="3" name="Text Placeholder 2">
@@ -23148,7 +23148,7 @@
             </p:txBody>
           </p:sp>
         </mc:Choice>
-        <mc:Fallback>
+        <mc:Fallback xmlns="">
           <p:sp>
             <p:nvSpPr>
               <p:cNvPr id="3" name="Text Placeholder 2">
@@ -23256,8 +23256,8 @@
           </a:p>
         </p:txBody>
       </p:sp>
-      <mc:AlternateContent xmlns:mc="http://schemas.openxmlformats.org/markup-compatibility/2006">
-        <mc:Choice xmlns:a14="http://schemas.microsoft.com/office/drawing/2010/main" Requires="a14">
+      <mc:AlternateContent xmlns:mc="http://schemas.openxmlformats.org/markup-compatibility/2006" xmlns:a14="http://schemas.microsoft.com/office/drawing/2010/main">
+        <mc:Choice Requires="a14">
           <p:sp>
             <p:nvSpPr>
               <p:cNvPr id="3" name="Text Placeholder 2">
@@ -23811,7 +23811,7 @@
             </p:txBody>
           </p:sp>
         </mc:Choice>
-        <mc:Fallback>
+        <mc:Fallback xmlns="">
           <p:sp>
             <p:nvSpPr>
               <p:cNvPr id="3" name="Text Placeholder 2">
@@ -23919,8 +23919,8 @@
           </a:p>
         </p:txBody>
       </p:sp>
-      <mc:AlternateContent xmlns:mc="http://schemas.openxmlformats.org/markup-compatibility/2006">
-        <mc:Choice xmlns:a14="http://schemas.microsoft.com/office/drawing/2010/main" Requires="a14">
+      <mc:AlternateContent xmlns:mc="http://schemas.openxmlformats.org/markup-compatibility/2006" xmlns:a14="http://schemas.microsoft.com/office/drawing/2010/main">
+        <mc:Choice Requires="a14">
           <p:sp>
             <p:nvSpPr>
               <p:cNvPr id="3" name="Text Placeholder 2">
@@ -24532,7 +24532,7 @@
             </p:txBody>
           </p:sp>
         </mc:Choice>
-        <mc:Fallback>
+        <mc:Fallback xmlns="">
           <p:sp>
             <p:nvSpPr>
               <p:cNvPr id="3" name="Text Placeholder 2">
@@ -24640,8 +24640,8 @@
           </a:p>
         </p:txBody>
       </p:sp>
-      <mc:AlternateContent xmlns:mc="http://schemas.openxmlformats.org/markup-compatibility/2006">
-        <mc:Choice xmlns:a14="http://schemas.microsoft.com/office/drawing/2010/main" Requires="a14">
+      <mc:AlternateContent xmlns:mc="http://schemas.openxmlformats.org/markup-compatibility/2006" xmlns:a14="http://schemas.microsoft.com/office/drawing/2010/main">
+        <mc:Choice Requires="a14">
           <p:sp>
             <p:nvSpPr>
               <p:cNvPr id="3" name="Text Placeholder 2">
@@ -25253,7 +25253,7 @@
             </p:txBody>
           </p:sp>
         </mc:Choice>
-        <mc:Fallback>
+        <mc:Fallback xmlns="">
           <p:sp>
             <p:nvSpPr>
               <p:cNvPr id="3" name="Text Placeholder 2">
@@ -25420,8 +25420,8 @@
           </a:p>
         </p:txBody>
       </p:sp>
-      <mc:AlternateContent xmlns:mc="http://schemas.openxmlformats.org/markup-compatibility/2006">
-        <mc:Choice xmlns:a14="http://schemas.microsoft.com/office/drawing/2010/main" Requires="a14">
+      <mc:AlternateContent xmlns:mc="http://schemas.openxmlformats.org/markup-compatibility/2006" xmlns:a14="http://schemas.microsoft.com/office/drawing/2010/main">
+        <mc:Choice Requires="a14">
           <p:sp>
             <p:nvSpPr>
               <p:cNvPr id="5" name="Oval 4">
@@ -25484,7 +25484,7 @@
             </p:txBody>
           </p:sp>
         </mc:Choice>
-        <mc:Fallback>
+        <mc:Fallback xmlns="">
           <p:sp>
             <p:nvSpPr>
               <p:cNvPr id="5" name="Oval 4">
@@ -25529,8 +25529,8 @@
           </p:sp>
         </mc:Fallback>
       </mc:AlternateContent>
-      <mc:AlternateContent xmlns:mc="http://schemas.openxmlformats.org/markup-compatibility/2006">
-        <mc:Choice xmlns:a14="http://schemas.microsoft.com/office/drawing/2010/main" Requires="a14">
+      <mc:AlternateContent xmlns:mc="http://schemas.openxmlformats.org/markup-compatibility/2006" xmlns:a14="http://schemas.microsoft.com/office/drawing/2010/main">
+        <mc:Choice Requires="a14">
           <p:sp>
             <p:nvSpPr>
               <p:cNvPr id="6" name="Oval 5">
@@ -25593,7 +25593,7 @@
             </p:txBody>
           </p:sp>
         </mc:Choice>
-        <mc:Fallback>
+        <mc:Fallback xmlns="">
           <p:sp>
             <p:nvSpPr>
               <p:cNvPr id="6" name="Oval 5">
@@ -25638,8 +25638,8 @@
           </p:sp>
         </mc:Fallback>
       </mc:AlternateContent>
-      <mc:AlternateContent xmlns:mc="http://schemas.openxmlformats.org/markup-compatibility/2006">
-        <mc:Choice xmlns:a14="http://schemas.microsoft.com/office/drawing/2010/main" Requires="a14">
+      <mc:AlternateContent xmlns:mc="http://schemas.openxmlformats.org/markup-compatibility/2006" xmlns:a14="http://schemas.microsoft.com/office/drawing/2010/main">
+        <mc:Choice Requires="a14">
           <p:sp>
             <p:nvSpPr>
               <p:cNvPr id="7" name="Oval 6">
@@ -25702,7 +25702,7 @@
             </p:txBody>
           </p:sp>
         </mc:Choice>
-        <mc:Fallback>
+        <mc:Fallback xmlns="">
           <p:sp>
             <p:nvSpPr>
               <p:cNvPr id="7" name="Oval 6">
@@ -25747,8 +25747,8 @@
           </p:sp>
         </mc:Fallback>
       </mc:AlternateContent>
-      <mc:AlternateContent xmlns:mc="http://schemas.openxmlformats.org/markup-compatibility/2006">
-        <mc:Choice xmlns:a14="http://schemas.microsoft.com/office/drawing/2010/main" Requires="a14">
+      <mc:AlternateContent xmlns:mc="http://schemas.openxmlformats.org/markup-compatibility/2006" xmlns:a14="http://schemas.microsoft.com/office/drawing/2010/main">
+        <mc:Choice Requires="a14">
           <p:sp>
             <p:nvSpPr>
               <p:cNvPr id="8" name="Oval 7">
@@ -25811,7 +25811,7 @@
             </p:txBody>
           </p:sp>
         </mc:Choice>
-        <mc:Fallback>
+        <mc:Fallback xmlns="">
           <p:sp>
             <p:nvSpPr>
               <p:cNvPr id="8" name="Oval 7">
@@ -26994,8 +26994,8 @@
           </a:p>
         </p:txBody>
       </p:sp>
-      <mc:AlternateContent xmlns:mc="http://schemas.openxmlformats.org/markup-compatibility/2006">
-        <mc:Choice xmlns:a14="http://schemas.microsoft.com/office/drawing/2010/main" Requires="a14">
+      <mc:AlternateContent xmlns:mc="http://schemas.openxmlformats.org/markup-compatibility/2006" xmlns:a14="http://schemas.microsoft.com/office/drawing/2010/main">
+        <mc:Choice Requires="a14">
           <p:sp>
             <p:nvSpPr>
               <p:cNvPr id="3" name="Text Placeholder 2">
@@ -27140,7 +27140,7 @@
             </p:txBody>
           </p:sp>
         </mc:Choice>
-        <mc:Fallback>
+        <mc:Fallback xmlns="">
           <p:sp>
             <p:nvSpPr>
               <p:cNvPr id="3" name="Text Placeholder 2">
@@ -27184,8 +27184,8 @@
           </p:sp>
         </mc:Fallback>
       </mc:AlternateContent>
-      <mc:AlternateContent xmlns:mc="http://schemas.openxmlformats.org/markup-compatibility/2006">
-        <mc:Choice xmlns:a14="http://schemas.microsoft.com/office/drawing/2010/main" Requires="a14">
+      <mc:AlternateContent xmlns:mc="http://schemas.openxmlformats.org/markup-compatibility/2006" xmlns:a14="http://schemas.microsoft.com/office/drawing/2010/main">
+        <mc:Choice Requires="a14">
           <p:sp>
             <p:nvSpPr>
               <p:cNvPr id="5" name="Oval 4">
@@ -27248,7 +27248,7 @@
             </p:txBody>
           </p:sp>
         </mc:Choice>
-        <mc:Fallback>
+        <mc:Fallback xmlns="">
           <p:sp>
             <p:nvSpPr>
               <p:cNvPr id="5" name="Oval 4">
@@ -27293,8 +27293,8 @@
           </p:sp>
         </mc:Fallback>
       </mc:AlternateContent>
-      <mc:AlternateContent xmlns:mc="http://schemas.openxmlformats.org/markup-compatibility/2006">
-        <mc:Choice xmlns:a14="http://schemas.microsoft.com/office/drawing/2010/main" Requires="a14">
+      <mc:AlternateContent xmlns:mc="http://schemas.openxmlformats.org/markup-compatibility/2006" xmlns:a14="http://schemas.microsoft.com/office/drawing/2010/main">
+        <mc:Choice Requires="a14">
           <p:sp>
             <p:nvSpPr>
               <p:cNvPr id="6" name="Oval 5">
@@ -27357,7 +27357,7 @@
             </p:txBody>
           </p:sp>
         </mc:Choice>
-        <mc:Fallback>
+        <mc:Fallback xmlns="">
           <p:sp>
             <p:nvSpPr>
               <p:cNvPr id="6" name="Oval 5">
@@ -27402,8 +27402,8 @@
           </p:sp>
         </mc:Fallback>
       </mc:AlternateContent>
-      <mc:AlternateContent xmlns:mc="http://schemas.openxmlformats.org/markup-compatibility/2006">
-        <mc:Choice xmlns:a14="http://schemas.microsoft.com/office/drawing/2010/main" Requires="a14">
+      <mc:AlternateContent xmlns:mc="http://schemas.openxmlformats.org/markup-compatibility/2006" xmlns:a14="http://schemas.microsoft.com/office/drawing/2010/main">
+        <mc:Choice Requires="a14">
           <p:sp>
             <p:nvSpPr>
               <p:cNvPr id="7" name="Oval 6">
@@ -27466,7 +27466,7 @@
             </p:txBody>
           </p:sp>
         </mc:Choice>
-        <mc:Fallback>
+        <mc:Fallback xmlns="">
           <p:sp>
             <p:nvSpPr>
               <p:cNvPr id="7" name="Oval 6">
@@ -27511,8 +27511,8 @@
           </p:sp>
         </mc:Fallback>
       </mc:AlternateContent>
-      <mc:AlternateContent xmlns:mc="http://schemas.openxmlformats.org/markup-compatibility/2006">
-        <mc:Choice xmlns:a14="http://schemas.microsoft.com/office/drawing/2010/main" Requires="a14">
+      <mc:AlternateContent xmlns:mc="http://schemas.openxmlformats.org/markup-compatibility/2006" xmlns:a14="http://schemas.microsoft.com/office/drawing/2010/main">
+        <mc:Choice Requires="a14">
           <p:sp>
             <p:nvSpPr>
               <p:cNvPr id="8" name="Oval 7">
@@ -27575,7 +27575,7 @@
             </p:txBody>
           </p:sp>
         </mc:Choice>
-        <mc:Fallback>
+        <mc:Fallback xmlns="">
           <p:sp>
             <p:nvSpPr>
               <p:cNvPr id="8" name="Oval 7">
@@ -28756,8 +28756,8 @@
           </a:p>
         </p:txBody>
       </p:sp>
-      <mc:AlternateContent xmlns:mc="http://schemas.openxmlformats.org/markup-compatibility/2006">
-        <mc:Choice xmlns:a14="http://schemas.microsoft.com/office/drawing/2010/main" Requires="a14">
+      <mc:AlternateContent xmlns:mc="http://schemas.openxmlformats.org/markup-compatibility/2006" xmlns:a14="http://schemas.microsoft.com/office/drawing/2010/main">
+        <mc:Choice Requires="a14">
           <p:sp>
             <p:nvSpPr>
               <p:cNvPr id="3" name="Text Placeholder 2">
@@ -28985,7 +28985,7 @@
             </p:txBody>
           </p:sp>
         </mc:Choice>
-        <mc:Fallback>
+        <mc:Fallback xmlns="">
           <p:sp>
             <p:nvSpPr>
               <p:cNvPr id="3" name="Text Placeholder 2">
@@ -29029,8 +29029,8 @@
           </p:sp>
         </mc:Fallback>
       </mc:AlternateContent>
-      <mc:AlternateContent xmlns:mc="http://schemas.openxmlformats.org/markup-compatibility/2006">
-        <mc:Choice xmlns:a14="http://schemas.microsoft.com/office/drawing/2010/main" Requires="a14">
+      <mc:AlternateContent xmlns:mc="http://schemas.openxmlformats.org/markup-compatibility/2006" xmlns:a14="http://schemas.microsoft.com/office/drawing/2010/main">
+        <mc:Choice Requires="a14">
           <p:sp>
             <p:nvSpPr>
               <p:cNvPr id="5" name="Oval 4">
@@ -29093,7 +29093,7 @@
             </p:txBody>
           </p:sp>
         </mc:Choice>
-        <mc:Fallback>
+        <mc:Fallback xmlns="">
           <p:sp>
             <p:nvSpPr>
               <p:cNvPr id="5" name="Oval 4">
@@ -29138,8 +29138,8 @@
           </p:sp>
         </mc:Fallback>
       </mc:AlternateContent>
-      <mc:AlternateContent xmlns:mc="http://schemas.openxmlformats.org/markup-compatibility/2006">
-        <mc:Choice xmlns:a14="http://schemas.microsoft.com/office/drawing/2010/main" Requires="a14">
+      <mc:AlternateContent xmlns:mc="http://schemas.openxmlformats.org/markup-compatibility/2006" xmlns:a14="http://schemas.microsoft.com/office/drawing/2010/main">
+        <mc:Choice Requires="a14">
           <p:sp>
             <p:nvSpPr>
               <p:cNvPr id="6" name="Oval 5">
@@ -29202,7 +29202,7 @@
             </p:txBody>
           </p:sp>
         </mc:Choice>
-        <mc:Fallback>
+        <mc:Fallback xmlns="">
           <p:sp>
             <p:nvSpPr>
               <p:cNvPr id="6" name="Oval 5">
@@ -29247,8 +29247,8 @@
           </p:sp>
         </mc:Fallback>
       </mc:AlternateContent>
-      <mc:AlternateContent xmlns:mc="http://schemas.openxmlformats.org/markup-compatibility/2006">
-        <mc:Choice xmlns:a14="http://schemas.microsoft.com/office/drawing/2010/main" Requires="a14">
+      <mc:AlternateContent xmlns:mc="http://schemas.openxmlformats.org/markup-compatibility/2006" xmlns:a14="http://schemas.microsoft.com/office/drawing/2010/main">
+        <mc:Choice Requires="a14">
           <p:sp>
             <p:nvSpPr>
               <p:cNvPr id="7" name="Oval 6">
@@ -29311,7 +29311,7 @@
             </p:txBody>
           </p:sp>
         </mc:Choice>
-        <mc:Fallback>
+        <mc:Fallback xmlns="">
           <p:sp>
             <p:nvSpPr>
               <p:cNvPr id="7" name="Oval 6">
@@ -29356,8 +29356,8 @@
           </p:sp>
         </mc:Fallback>
       </mc:AlternateContent>
-      <mc:AlternateContent xmlns:mc="http://schemas.openxmlformats.org/markup-compatibility/2006">
-        <mc:Choice xmlns:a14="http://schemas.microsoft.com/office/drawing/2010/main" Requires="a14">
+      <mc:AlternateContent xmlns:mc="http://schemas.openxmlformats.org/markup-compatibility/2006" xmlns:a14="http://schemas.microsoft.com/office/drawing/2010/main">
+        <mc:Choice Requires="a14">
           <p:sp>
             <p:nvSpPr>
               <p:cNvPr id="8" name="Oval 7">
@@ -29420,7 +29420,7 @@
             </p:txBody>
           </p:sp>
         </mc:Choice>
-        <mc:Fallback>
+        <mc:Fallback xmlns="">
           <p:sp>
             <p:nvSpPr>
               <p:cNvPr id="8" name="Oval 7">
@@ -30601,8 +30601,8 @@
           </a:p>
         </p:txBody>
       </p:sp>
-      <mc:AlternateContent xmlns:mc="http://schemas.openxmlformats.org/markup-compatibility/2006">
-        <mc:Choice xmlns:a14="http://schemas.microsoft.com/office/drawing/2010/main" Requires="a14">
+      <mc:AlternateContent xmlns:mc="http://schemas.openxmlformats.org/markup-compatibility/2006" xmlns:a14="http://schemas.microsoft.com/office/drawing/2010/main">
+        <mc:Choice Requires="a14">
           <p:sp>
             <p:nvSpPr>
               <p:cNvPr id="3" name="Text Placeholder 2">
@@ -30941,7 +30941,7 @@
             </p:txBody>
           </p:sp>
         </mc:Choice>
-        <mc:Fallback>
+        <mc:Fallback xmlns="">
           <p:sp>
             <p:nvSpPr>
               <p:cNvPr id="3" name="Text Placeholder 2">
@@ -30985,8 +30985,8 @@
           </p:sp>
         </mc:Fallback>
       </mc:AlternateContent>
-      <mc:AlternateContent xmlns:mc="http://schemas.openxmlformats.org/markup-compatibility/2006">
-        <mc:Choice xmlns:a14="http://schemas.microsoft.com/office/drawing/2010/main" Requires="a14">
+      <mc:AlternateContent xmlns:mc="http://schemas.openxmlformats.org/markup-compatibility/2006" xmlns:a14="http://schemas.microsoft.com/office/drawing/2010/main">
+        <mc:Choice Requires="a14">
           <p:sp>
             <p:nvSpPr>
               <p:cNvPr id="5" name="Oval 4">
@@ -31049,7 +31049,7 @@
             </p:txBody>
           </p:sp>
         </mc:Choice>
-        <mc:Fallback>
+        <mc:Fallback xmlns="">
           <p:sp>
             <p:nvSpPr>
               <p:cNvPr id="5" name="Oval 4">
@@ -31094,8 +31094,8 @@
           </p:sp>
         </mc:Fallback>
       </mc:AlternateContent>
-      <mc:AlternateContent xmlns:mc="http://schemas.openxmlformats.org/markup-compatibility/2006">
-        <mc:Choice xmlns:a14="http://schemas.microsoft.com/office/drawing/2010/main" Requires="a14">
+      <mc:AlternateContent xmlns:mc="http://schemas.openxmlformats.org/markup-compatibility/2006" xmlns:a14="http://schemas.microsoft.com/office/drawing/2010/main">
+        <mc:Choice Requires="a14">
           <p:sp>
             <p:nvSpPr>
               <p:cNvPr id="6" name="Oval 5">
@@ -31158,7 +31158,7 @@
             </p:txBody>
           </p:sp>
         </mc:Choice>
-        <mc:Fallback>
+        <mc:Fallback xmlns="">
           <p:sp>
             <p:nvSpPr>
               <p:cNvPr id="6" name="Oval 5">
@@ -31203,8 +31203,8 @@
           </p:sp>
         </mc:Fallback>
       </mc:AlternateContent>
-      <mc:AlternateContent xmlns:mc="http://schemas.openxmlformats.org/markup-compatibility/2006">
-        <mc:Choice xmlns:a14="http://schemas.microsoft.com/office/drawing/2010/main" Requires="a14">
+      <mc:AlternateContent xmlns:mc="http://schemas.openxmlformats.org/markup-compatibility/2006" xmlns:a14="http://schemas.microsoft.com/office/drawing/2010/main">
+        <mc:Choice Requires="a14">
           <p:sp>
             <p:nvSpPr>
               <p:cNvPr id="7" name="Oval 6">
@@ -31267,7 +31267,7 @@
             </p:txBody>
           </p:sp>
         </mc:Choice>
-        <mc:Fallback>
+        <mc:Fallback xmlns="">
           <p:sp>
             <p:nvSpPr>
               <p:cNvPr id="7" name="Oval 6">
@@ -31312,8 +31312,8 @@
           </p:sp>
         </mc:Fallback>
       </mc:AlternateContent>
-      <mc:AlternateContent xmlns:mc="http://schemas.openxmlformats.org/markup-compatibility/2006">
-        <mc:Choice xmlns:a14="http://schemas.microsoft.com/office/drawing/2010/main" Requires="a14">
+      <mc:AlternateContent xmlns:mc="http://schemas.openxmlformats.org/markup-compatibility/2006" xmlns:a14="http://schemas.microsoft.com/office/drawing/2010/main">
+        <mc:Choice Requires="a14">
           <p:sp>
             <p:nvSpPr>
               <p:cNvPr id="8" name="Oval 7">
@@ -31376,7 +31376,7 @@
             </p:txBody>
           </p:sp>
         </mc:Choice>
-        <mc:Fallback>
+        <mc:Fallback xmlns="">
           <p:sp>
             <p:nvSpPr>
               <p:cNvPr id="8" name="Oval 7">
@@ -32557,8 +32557,8 @@
           </a:p>
         </p:txBody>
       </p:sp>
-      <mc:AlternateContent xmlns:mc="http://schemas.openxmlformats.org/markup-compatibility/2006">
-        <mc:Choice xmlns:a14="http://schemas.microsoft.com/office/drawing/2010/main" Requires="a14">
+      <mc:AlternateContent xmlns:mc="http://schemas.openxmlformats.org/markup-compatibility/2006" xmlns:a14="http://schemas.microsoft.com/office/drawing/2010/main">
+        <mc:Choice Requires="a14">
           <p:sp>
             <p:nvSpPr>
               <p:cNvPr id="3" name="Text Placeholder 2">
@@ -32897,7 +32897,7 @@
             </p:txBody>
           </p:sp>
         </mc:Choice>
-        <mc:Fallback>
+        <mc:Fallback xmlns="">
           <p:sp>
             <p:nvSpPr>
               <p:cNvPr id="3" name="Text Placeholder 2">
@@ -32941,8 +32941,8 @@
           </p:sp>
         </mc:Fallback>
       </mc:AlternateContent>
-      <mc:AlternateContent xmlns:mc="http://schemas.openxmlformats.org/markup-compatibility/2006">
-        <mc:Choice xmlns:a14="http://schemas.microsoft.com/office/drawing/2010/main" Requires="a14">
+      <mc:AlternateContent xmlns:mc="http://schemas.openxmlformats.org/markup-compatibility/2006" xmlns:a14="http://schemas.microsoft.com/office/drawing/2010/main">
+        <mc:Choice Requires="a14">
           <p:sp>
             <p:nvSpPr>
               <p:cNvPr id="5" name="Oval 4">
@@ -33005,7 +33005,7 @@
             </p:txBody>
           </p:sp>
         </mc:Choice>
-        <mc:Fallback>
+        <mc:Fallback xmlns="">
           <p:sp>
             <p:nvSpPr>
               <p:cNvPr id="5" name="Oval 4">
@@ -33050,8 +33050,8 @@
           </p:sp>
         </mc:Fallback>
       </mc:AlternateContent>
-      <mc:AlternateContent xmlns:mc="http://schemas.openxmlformats.org/markup-compatibility/2006">
-        <mc:Choice xmlns:a14="http://schemas.microsoft.com/office/drawing/2010/main" Requires="a14">
+      <mc:AlternateContent xmlns:mc="http://schemas.openxmlformats.org/markup-compatibility/2006" xmlns:a14="http://schemas.microsoft.com/office/drawing/2010/main">
+        <mc:Choice Requires="a14">
           <p:sp>
             <p:nvSpPr>
               <p:cNvPr id="6" name="Oval 5">
@@ -33114,7 +33114,7 @@
             </p:txBody>
           </p:sp>
         </mc:Choice>
-        <mc:Fallback>
+        <mc:Fallback xmlns="">
           <p:sp>
             <p:nvSpPr>
               <p:cNvPr id="6" name="Oval 5">
@@ -33159,8 +33159,8 @@
           </p:sp>
         </mc:Fallback>
       </mc:AlternateContent>
-      <mc:AlternateContent xmlns:mc="http://schemas.openxmlformats.org/markup-compatibility/2006">
-        <mc:Choice xmlns:a14="http://schemas.microsoft.com/office/drawing/2010/main" Requires="a14">
+      <mc:AlternateContent xmlns:mc="http://schemas.openxmlformats.org/markup-compatibility/2006" xmlns:a14="http://schemas.microsoft.com/office/drawing/2010/main">
+        <mc:Choice Requires="a14">
           <p:sp>
             <p:nvSpPr>
               <p:cNvPr id="7" name="Oval 6">
@@ -33223,7 +33223,7 @@
             </p:txBody>
           </p:sp>
         </mc:Choice>
-        <mc:Fallback>
+        <mc:Fallback xmlns="">
           <p:sp>
             <p:nvSpPr>
               <p:cNvPr id="7" name="Oval 6">
@@ -33268,8 +33268,8 @@
           </p:sp>
         </mc:Fallback>
       </mc:AlternateContent>
-      <mc:AlternateContent xmlns:mc="http://schemas.openxmlformats.org/markup-compatibility/2006">
-        <mc:Choice xmlns:a14="http://schemas.microsoft.com/office/drawing/2010/main" Requires="a14">
+      <mc:AlternateContent xmlns:mc="http://schemas.openxmlformats.org/markup-compatibility/2006" xmlns:a14="http://schemas.microsoft.com/office/drawing/2010/main">
+        <mc:Choice Requires="a14">
           <p:sp>
             <p:nvSpPr>
               <p:cNvPr id="8" name="Oval 7">
@@ -33332,7 +33332,7 @@
             </p:txBody>
           </p:sp>
         </mc:Choice>
-        <mc:Fallback>
+        <mc:Fallback xmlns="">
           <p:sp>
             <p:nvSpPr>
               <p:cNvPr id="8" name="Oval 7">
@@ -34855,8 +34855,8 @@
           </a:p>
         </p:txBody>
       </p:sp>
-      <mc:AlternateContent xmlns:mc="http://schemas.openxmlformats.org/markup-compatibility/2006">
-        <mc:Choice xmlns:a14="http://schemas.microsoft.com/office/drawing/2010/main" Requires="a14">
+      <mc:AlternateContent xmlns:mc="http://schemas.openxmlformats.org/markup-compatibility/2006" xmlns:a14="http://schemas.microsoft.com/office/drawing/2010/main">
+        <mc:Choice Requires="a14">
           <p:sp>
             <p:nvSpPr>
               <p:cNvPr id="3" name="Text Placeholder 2">
@@ -34957,7 +34957,7 @@
             </p:txBody>
           </p:sp>
         </mc:Choice>
-        <mc:Fallback>
+        <mc:Fallback xmlns="">
           <p:sp>
             <p:nvSpPr>
               <p:cNvPr id="3" name="Text Placeholder 2">
@@ -35089,8 +35089,8 @@
           </a:p>
         </p:txBody>
       </p:sp>
-      <mc:AlternateContent xmlns:mc="http://schemas.openxmlformats.org/markup-compatibility/2006">
-        <mc:Choice xmlns:a14="http://schemas.microsoft.com/office/drawing/2010/main" Requires="a14">
+      <mc:AlternateContent xmlns:mc="http://schemas.openxmlformats.org/markup-compatibility/2006" xmlns:a14="http://schemas.microsoft.com/office/drawing/2010/main">
+        <mc:Choice Requires="a14">
           <p:sp>
             <p:nvSpPr>
               <p:cNvPr id="3" name="Text Placeholder 2">
@@ -35340,7 +35340,7 @@
             </p:txBody>
           </p:sp>
         </mc:Choice>
-        <mc:Fallback>
+        <mc:Fallback xmlns="">
           <p:sp>
             <p:nvSpPr>
               <p:cNvPr id="3" name="Text Placeholder 2">
@@ -35472,8 +35472,8 @@
           </a:p>
         </p:txBody>
       </p:sp>
-      <mc:AlternateContent xmlns:mc="http://schemas.openxmlformats.org/markup-compatibility/2006">
-        <mc:Choice xmlns:a14="http://schemas.microsoft.com/office/drawing/2010/main" Requires="a14">
+      <mc:AlternateContent xmlns:mc="http://schemas.openxmlformats.org/markup-compatibility/2006" xmlns:a14="http://schemas.microsoft.com/office/drawing/2010/main">
+        <mc:Choice Requires="a14">
           <p:sp>
             <p:nvSpPr>
               <p:cNvPr id="3" name="Text Placeholder 2">
@@ -35723,7 +35723,7 @@
             </p:txBody>
           </p:sp>
         </mc:Choice>
-        <mc:Fallback>
+        <mc:Fallback xmlns="">
           <p:sp>
             <p:nvSpPr>
               <p:cNvPr id="3" name="Text Placeholder 2">
@@ -35945,8 +35945,8 @@
           </a:p>
         </p:txBody>
       </p:sp>
-      <mc:AlternateContent xmlns:mc="http://schemas.openxmlformats.org/markup-compatibility/2006">
-        <mc:Choice xmlns:a14="http://schemas.microsoft.com/office/drawing/2010/main" Requires="a14">
+      <mc:AlternateContent xmlns:mc="http://schemas.openxmlformats.org/markup-compatibility/2006" xmlns:a14="http://schemas.microsoft.com/office/drawing/2010/main">
+        <mc:Choice Requires="a14">
           <p:sp>
             <p:nvSpPr>
               <p:cNvPr id="3" name="Text Placeholder 2">
@@ -36127,7 +36127,7 @@
             </p:txBody>
           </p:sp>
         </mc:Choice>
-        <mc:Fallback>
+        <mc:Fallback xmlns="">
           <p:sp>
             <p:nvSpPr>
               <p:cNvPr id="3" name="Text Placeholder 2">
@@ -36231,8 +36231,8 @@
           </a:p>
         </p:txBody>
       </p:sp>
-      <mc:AlternateContent xmlns:mc="http://schemas.openxmlformats.org/markup-compatibility/2006">
-        <mc:Choice xmlns:a14="http://schemas.microsoft.com/office/drawing/2010/main" Requires="a14">
+      <mc:AlternateContent xmlns:mc="http://schemas.openxmlformats.org/markup-compatibility/2006" xmlns:a14="http://schemas.microsoft.com/office/drawing/2010/main">
+        <mc:Choice Requires="a14">
           <p:sp>
             <p:nvSpPr>
               <p:cNvPr id="3" name="Text Placeholder 2">
@@ -36498,7 +36498,7 @@
             </p:txBody>
           </p:sp>
         </mc:Choice>
-        <mc:Fallback>
+        <mc:Fallback xmlns="">
           <p:sp>
             <p:nvSpPr>
               <p:cNvPr id="3" name="Text Placeholder 2">
@@ -36844,8 +36844,8 @@
           </a:p>
         </p:txBody>
       </p:sp>
-      <mc:AlternateContent xmlns:mc="http://schemas.openxmlformats.org/markup-compatibility/2006">
-        <mc:Choice xmlns:a14="http://schemas.microsoft.com/office/drawing/2010/main" Requires="a14">
+      <mc:AlternateContent xmlns:mc="http://schemas.openxmlformats.org/markup-compatibility/2006" xmlns:a14="http://schemas.microsoft.com/office/drawing/2010/main">
+        <mc:Choice Requires="a14">
           <p:sp>
             <p:nvSpPr>
               <p:cNvPr id="3" name="Text Placeholder 2">
@@ -36909,7 +36909,7 @@
             </p:txBody>
           </p:sp>
         </mc:Choice>
-        <mc:Fallback>
+        <mc:Fallback xmlns="">
           <p:sp>
             <p:nvSpPr>
               <p:cNvPr id="3" name="Text Placeholder 2">
@@ -37041,8 +37041,8 @@
           </a:p>
         </p:txBody>
       </p:sp>
-      <mc:AlternateContent xmlns:mc="http://schemas.openxmlformats.org/markup-compatibility/2006">
-        <mc:Choice xmlns:a14="http://schemas.microsoft.com/office/drawing/2010/main" Requires="a14">
+      <mc:AlternateContent xmlns:mc="http://schemas.openxmlformats.org/markup-compatibility/2006" xmlns:a14="http://schemas.microsoft.com/office/drawing/2010/main">
+        <mc:Choice Requires="a14">
           <p:sp>
             <p:nvSpPr>
               <p:cNvPr id="3" name="Text Placeholder 2">
@@ -37164,7 +37164,7 @@
             </p:txBody>
           </p:sp>
         </mc:Choice>
-        <mc:Fallback>
+        <mc:Fallback xmlns="">
           <p:sp>
             <p:nvSpPr>
               <p:cNvPr id="3" name="Text Placeholder 2">
@@ -37503,8 +37503,8 @@
           </a:p>
         </p:txBody>
       </p:sp>
-      <mc:AlternateContent xmlns:mc="http://schemas.openxmlformats.org/markup-compatibility/2006">
-        <mc:Choice xmlns:a14="http://schemas.microsoft.com/office/drawing/2010/main" Requires="a14">
+      <mc:AlternateContent xmlns:mc="http://schemas.openxmlformats.org/markup-compatibility/2006" xmlns:a14="http://schemas.microsoft.com/office/drawing/2010/main">
+        <mc:Choice Requires="a14">
           <p:sp>
             <p:nvSpPr>
               <p:cNvPr id="3" name="Text Placeholder 2">
@@ -37680,7 +37680,7 @@
             </p:txBody>
           </p:sp>
         </mc:Choice>
-        <mc:Fallback>
+        <mc:Fallback xmlns="">
           <p:sp>
             <p:nvSpPr>
               <p:cNvPr id="3" name="Text Placeholder 2">
@@ -37927,8 +37927,8 @@
           </a:p>
         </p:txBody>
       </p:sp>
-      <mc:AlternateContent xmlns:mc="http://schemas.openxmlformats.org/markup-compatibility/2006">
-        <mc:Choice xmlns:a14="http://schemas.microsoft.com/office/drawing/2010/main" Requires="a14">
+      <mc:AlternateContent xmlns:mc="http://schemas.openxmlformats.org/markup-compatibility/2006" xmlns:a14="http://schemas.microsoft.com/office/drawing/2010/main">
+        <mc:Choice Requires="a14">
           <p:sp>
             <p:nvSpPr>
               <p:cNvPr id="3" name="Text Placeholder 2">
@@ -37976,7 +37976,7 @@
             </p:txBody>
           </p:sp>
         </mc:Choice>
-        <mc:Fallback>
+        <mc:Fallback xmlns="">
           <p:sp>
             <p:nvSpPr>
               <p:cNvPr id="3" name="Text Placeholder 2">
@@ -38108,8 +38108,8 @@
           </a:p>
         </p:txBody>
       </p:sp>
-      <mc:AlternateContent xmlns:mc="http://schemas.openxmlformats.org/markup-compatibility/2006">
-        <mc:Choice xmlns:a14="http://schemas.microsoft.com/office/drawing/2010/main" Requires="a14">
+      <mc:AlternateContent xmlns:mc="http://schemas.openxmlformats.org/markup-compatibility/2006" xmlns:a14="http://schemas.microsoft.com/office/drawing/2010/main">
+        <mc:Choice Requires="a14">
           <p:sp>
             <p:nvSpPr>
               <p:cNvPr id="3" name="Text Placeholder 2">
@@ -38181,7 +38181,7 @@
             </p:txBody>
           </p:sp>
         </mc:Choice>
-        <mc:Fallback>
+        <mc:Fallback xmlns="">
           <p:sp>
             <p:nvSpPr>
               <p:cNvPr id="3" name="Text Placeholder 2">
@@ -38313,8 +38313,8 @@
           </a:p>
         </p:txBody>
       </p:sp>
-      <mc:AlternateContent xmlns:mc="http://schemas.openxmlformats.org/markup-compatibility/2006">
-        <mc:Choice xmlns:a14="http://schemas.microsoft.com/office/drawing/2010/main" Requires="a14">
+      <mc:AlternateContent xmlns:mc="http://schemas.openxmlformats.org/markup-compatibility/2006" xmlns:a14="http://schemas.microsoft.com/office/drawing/2010/main">
+        <mc:Choice Requires="a14">
           <p:sp>
             <p:nvSpPr>
               <p:cNvPr id="3" name="Text Placeholder 2">
@@ -38396,7 +38396,7 @@
             </p:txBody>
           </p:sp>
         </mc:Choice>
-        <mc:Fallback>
+        <mc:Fallback xmlns="">
           <p:sp>
             <p:nvSpPr>
               <p:cNvPr id="3" name="Text Placeholder 2">

--- a/higgs/presentation/vinh.pptx
+++ b/higgs/presentation/vinh.pptx
@@ -271,7 +271,7 @@
               <a:rPr lang="en-US" smtClean="0">
                 <a:latin typeface="Arial" panose="020B0604020202020204" pitchFamily="34" charset="0"/>
               </a:rPr>
-              <a:t>4/20/25</a:t>
+              <a:t>4/21/25</a:t>
             </a:fld>
             <a:endParaRPr lang="en-US" dirty="0">
               <a:latin typeface="Arial" panose="020B0604020202020204" pitchFamily="34" charset="0"/>
@@ -456,7 +456,7 @@
           <a:p>
             <a:fld id="{AEE79D00-1CDF-434B-8F0A-8ED0A64E848E}" type="datetimeFigureOut">
               <a:rPr lang="en-US" smtClean="0"/>
-              <a:t>4/20/25</a:t>
+              <a:t>4/21/25</a:t>
             </a:fld>
             <a:endParaRPr lang="en-US"/>
           </a:p>
@@ -784,12 +784,15 @@
               <a:tabLst/>
               <a:defRPr/>
             </a:pPr>
-            <a:endParaRPr lang="en-US" sz="1400" kern="100" dirty="0">
-              <a:effectLst/>
-              <a:latin typeface="Arial" panose="020B0604020202020204" pitchFamily="34" charset="0"/>
-              <a:ea typeface="Calibri" panose="020F0502020204030204" pitchFamily="34" charset="0"/>
-              <a:cs typeface="Arial" panose="020B0604020202020204" pitchFamily="34" charset="0"/>
-            </a:endParaRPr>
+            <a:r>
+              <a:rPr lang="en-US" sz="1400" kern="100" dirty="0">
+                <a:effectLst/>
+                <a:latin typeface="Arial" panose="020B0604020202020204" pitchFamily="34" charset="0"/>
+                <a:ea typeface="Calibri" panose="020F0502020204030204" pitchFamily="34" charset="0"/>
+                <a:cs typeface="Arial" panose="020B0604020202020204" pitchFamily="34" charset="0"/>
+              </a:rPr>
+              <a:t>- Today, I will talk about our result in observing the Higgs boson, an important component of the standard model, that accurately describe the world even in the smallest extreme, using the data from the CMS experiment in the Large Hadron Collider</a:t>
+            </a:r>
           </a:p>
         </p:txBody>
       </p:sp>
@@ -820,6 +823,1616 @@
     <p:extLst>
       <p:ext uri="{BB962C8B-B14F-4D97-AF65-F5344CB8AC3E}">
         <p14:creationId xmlns:p14="http://schemas.microsoft.com/office/powerpoint/2010/main" val="1988630794"/>
+      </p:ext>
+    </p:extLst>
+  </p:cSld>
+  <p:clrMapOvr>
+    <a:masterClrMapping/>
+  </p:clrMapOvr>
+</p:notes>
+</file>
+
+<file path=ppt/notesSlides/notesSlide10.xml><?xml version="1.0" encoding="utf-8"?>
+<p:notes xmlns:a="http://schemas.openxmlformats.org/drawingml/2006/main" xmlns:r="http://schemas.openxmlformats.org/officeDocument/2006/relationships" xmlns:p="http://schemas.openxmlformats.org/presentationml/2006/main">
+  <p:cSld>
+    <p:spTree>
+      <p:nvGrpSpPr>
+        <p:cNvPr id="1" name=""/>
+        <p:cNvGrpSpPr/>
+        <p:nvPr/>
+      </p:nvGrpSpPr>
+      <p:grpSpPr>
+        <a:xfrm>
+          <a:off x="0" y="0"/>
+          <a:ext cx="0" cy="0"/>
+          <a:chOff x="0" y="0"/>
+          <a:chExt cx="0" cy="0"/>
+        </a:xfrm>
+      </p:grpSpPr>
+      <p:sp>
+        <p:nvSpPr>
+          <p:cNvPr id="2" name="Slide Image Placeholder 1"/>
+          <p:cNvSpPr>
+            <a:spLocks noGrp="1" noRot="1" noChangeAspect="1"/>
+          </p:cNvSpPr>
+          <p:nvPr>
+            <p:ph type="sldImg"/>
+          </p:nvPr>
+        </p:nvSpPr>
+        <p:spPr/>
+      </p:sp>
+      <p:sp>
+        <p:nvSpPr>
+          <p:cNvPr id="3" name="Notes Placeholder 2"/>
+          <p:cNvSpPr>
+            <a:spLocks noGrp="1"/>
+          </p:cNvSpPr>
+          <p:nvPr>
+            <p:ph type="body" idx="1"/>
+          </p:nvPr>
+        </p:nvSpPr>
+        <p:spPr/>
+        <p:txBody>
+          <a:bodyPr/>
+          <a:lstStyle/>
+          <a:p>
+            <a:r>
+              <a:rPr lang="en-US" dirty="0"/>
+              <a:t>- Next to it is the Electromagnetic Calorimeter, or ECAL, which measure the momentum and energy of electrons and photons</a:t>
+            </a:r>
+          </a:p>
+        </p:txBody>
+      </p:sp>
+      <p:sp>
+        <p:nvSpPr>
+          <p:cNvPr id="4" name="Slide Number Placeholder 3"/>
+          <p:cNvSpPr>
+            <a:spLocks noGrp="1"/>
+          </p:cNvSpPr>
+          <p:nvPr>
+            <p:ph type="sldNum" sz="quarter" idx="5"/>
+          </p:nvPr>
+        </p:nvSpPr>
+        <p:spPr/>
+        <p:txBody>
+          <a:bodyPr/>
+          <a:lstStyle/>
+          <a:p>
+            <a:fld id="{966EC296-AA85-584E-8224-F9A9CE703278}" type="slidenum">
+              <a:rPr lang="en-US" smtClean="0"/>
+              <a:t>17</a:t>
+            </a:fld>
+            <a:endParaRPr lang="en-US"/>
+          </a:p>
+        </p:txBody>
+      </p:sp>
+    </p:spTree>
+    <p:extLst>
+      <p:ext uri="{BB962C8B-B14F-4D97-AF65-F5344CB8AC3E}">
+        <p14:creationId xmlns:p14="http://schemas.microsoft.com/office/powerpoint/2010/main" val="3353293939"/>
+      </p:ext>
+    </p:extLst>
+  </p:cSld>
+  <p:clrMapOvr>
+    <a:masterClrMapping/>
+  </p:clrMapOvr>
+</p:notes>
+</file>
+
+<file path=ppt/notesSlides/notesSlide11.xml><?xml version="1.0" encoding="utf-8"?>
+<p:notes xmlns:a="http://schemas.openxmlformats.org/drawingml/2006/main" xmlns:r="http://schemas.openxmlformats.org/officeDocument/2006/relationships" xmlns:p="http://schemas.openxmlformats.org/presentationml/2006/main">
+  <p:cSld>
+    <p:spTree>
+      <p:nvGrpSpPr>
+        <p:cNvPr id="1" name=""/>
+        <p:cNvGrpSpPr/>
+        <p:nvPr/>
+      </p:nvGrpSpPr>
+      <p:grpSpPr>
+        <a:xfrm>
+          <a:off x="0" y="0"/>
+          <a:ext cx="0" cy="0"/>
+          <a:chOff x="0" y="0"/>
+          <a:chExt cx="0" cy="0"/>
+        </a:xfrm>
+      </p:grpSpPr>
+      <p:sp>
+        <p:nvSpPr>
+          <p:cNvPr id="2" name="Slide Image Placeholder 1"/>
+          <p:cNvSpPr>
+            <a:spLocks noGrp="1" noRot="1" noChangeAspect="1"/>
+          </p:cNvSpPr>
+          <p:nvPr>
+            <p:ph type="sldImg"/>
+          </p:nvPr>
+        </p:nvSpPr>
+        <p:spPr/>
+      </p:sp>
+      <p:sp>
+        <p:nvSpPr>
+          <p:cNvPr id="3" name="Notes Placeholder 2"/>
+          <p:cNvSpPr>
+            <a:spLocks noGrp="1"/>
+          </p:cNvSpPr>
+          <p:nvPr>
+            <p:ph type="body" idx="1"/>
+          </p:nvPr>
+        </p:nvSpPr>
+        <p:spPr/>
+        <p:txBody>
+          <a:bodyPr/>
+          <a:lstStyle/>
+          <a:p>
+            <a:r>
+              <a:rPr lang="en-US" dirty="0"/>
+              <a:t>- Then there is the Hadron Calorimeter (HCAL) which measure the momentum and energy of hadrons</a:t>
+            </a:r>
+          </a:p>
+        </p:txBody>
+      </p:sp>
+      <p:sp>
+        <p:nvSpPr>
+          <p:cNvPr id="4" name="Slide Number Placeholder 3"/>
+          <p:cNvSpPr>
+            <a:spLocks noGrp="1"/>
+          </p:cNvSpPr>
+          <p:nvPr>
+            <p:ph type="sldNum" sz="quarter" idx="5"/>
+          </p:nvPr>
+        </p:nvSpPr>
+        <p:spPr/>
+        <p:txBody>
+          <a:bodyPr/>
+          <a:lstStyle/>
+          <a:p>
+            <a:fld id="{966EC296-AA85-584E-8224-F9A9CE703278}" type="slidenum">
+              <a:rPr lang="en-US" smtClean="0"/>
+              <a:t>18</a:t>
+            </a:fld>
+            <a:endParaRPr lang="en-US"/>
+          </a:p>
+        </p:txBody>
+      </p:sp>
+    </p:spTree>
+    <p:extLst>
+      <p:ext uri="{BB962C8B-B14F-4D97-AF65-F5344CB8AC3E}">
+        <p14:creationId xmlns:p14="http://schemas.microsoft.com/office/powerpoint/2010/main" val="1979715531"/>
+      </p:ext>
+    </p:extLst>
+  </p:cSld>
+  <p:clrMapOvr>
+    <a:masterClrMapping/>
+  </p:clrMapOvr>
+</p:notes>
+</file>
+
+<file path=ppt/notesSlides/notesSlide12.xml><?xml version="1.0" encoding="utf-8"?>
+<p:notes xmlns:a="http://schemas.openxmlformats.org/drawingml/2006/main" xmlns:r="http://schemas.openxmlformats.org/officeDocument/2006/relationships" xmlns:p="http://schemas.openxmlformats.org/presentationml/2006/main">
+  <p:cSld>
+    <p:spTree>
+      <p:nvGrpSpPr>
+        <p:cNvPr id="1" name=""/>
+        <p:cNvGrpSpPr/>
+        <p:nvPr/>
+      </p:nvGrpSpPr>
+      <p:grpSpPr>
+        <a:xfrm>
+          <a:off x="0" y="0"/>
+          <a:ext cx="0" cy="0"/>
+          <a:chOff x="0" y="0"/>
+          <a:chExt cx="0" cy="0"/>
+        </a:xfrm>
+      </p:grpSpPr>
+      <p:sp>
+        <p:nvSpPr>
+          <p:cNvPr id="2" name="Slide Image Placeholder 1"/>
+          <p:cNvSpPr>
+            <a:spLocks noGrp="1" noRot="1" noChangeAspect="1"/>
+          </p:cNvSpPr>
+          <p:nvPr>
+            <p:ph type="sldImg"/>
+          </p:nvPr>
+        </p:nvSpPr>
+        <p:spPr/>
+      </p:sp>
+      <p:sp>
+        <p:nvSpPr>
+          <p:cNvPr id="3" name="Notes Placeholder 2"/>
+          <p:cNvSpPr>
+            <a:spLocks noGrp="1"/>
+          </p:cNvSpPr>
+          <p:nvPr>
+            <p:ph type="body" idx="1"/>
+          </p:nvPr>
+        </p:nvSpPr>
+        <p:spPr/>
+        <p:txBody>
+          <a:bodyPr/>
+          <a:lstStyle/>
+          <a:p>
+            <a:r>
+              <a:rPr lang="en-US" dirty="0"/>
+              <a:t>- Outside of the solenoid is the muon complex, that measure the momentum, energy, and charge of muons</a:t>
+            </a:r>
+          </a:p>
+        </p:txBody>
+      </p:sp>
+      <p:sp>
+        <p:nvSpPr>
+          <p:cNvPr id="4" name="Slide Number Placeholder 3"/>
+          <p:cNvSpPr>
+            <a:spLocks noGrp="1"/>
+          </p:cNvSpPr>
+          <p:nvPr>
+            <p:ph type="sldNum" sz="quarter" idx="5"/>
+          </p:nvPr>
+        </p:nvSpPr>
+        <p:spPr/>
+        <p:txBody>
+          <a:bodyPr/>
+          <a:lstStyle/>
+          <a:p>
+            <a:fld id="{966EC296-AA85-584E-8224-F9A9CE703278}" type="slidenum">
+              <a:rPr lang="en-US" smtClean="0"/>
+              <a:t>19</a:t>
+            </a:fld>
+            <a:endParaRPr lang="en-US"/>
+          </a:p>
+        </p:txBody>
+      </p:sp>
+    </p:spTree>
+    <p:extLst>
+      <p:ext uri="{BB962C8B-B14F-4D97-AF65-F5344CB8AC3E}">
+        <p14:creationId xmlns:p14="http://schemas.microsoft.com/office/powerpoint/2010/main" val="329780029"/>
+      </p:ext>
+    </p:extLst>
+  </p:cSld>
+  <p:clrMapOvr>
+    <a:masterClrMapping/>
+  </p:clrMapOvr>
+</p:notes>
+</file>
+
+<file path=ppt/notesSlides/notesSlide13.xml><?xml version="1.0" encoding="utf-8"?>
+<p:notes xmlns:a="http://schemas.openxmlformats.org/drawingml/2006/main" xmlns:r="http://schemas.openxmlformats.org/officeDocument/2006/relationships" xmlns:p="http://schemas.openxmlformats.org/presentationml/2006/main">
+  <p:cSld>
+    <p:spTree>
+      <p:nvGrpSpPr>
+        <p:cNvPr id="1" name=""/>
+        <p:cNvGrpSpPr/>
+        <p:nvPr/>
+      </p:nvGrpSpPr>
+      <p:grpSpPr>
+        <a:xfrm>
+          <a:off x="0" y="0"/>
+          <a:ext cx="0" cy="0"/>
+          <a:chOff x="0" y="0"/>
+          <a:chExt cx="0" cy="0"/>
+        </a:xfrm>
+      </p:grpSpPr>
+      <p:sp>
+        <p:nvSpPr>
+          <p:cNvPr id="2" name="Slide Image Placeholder 1"/>
+          <p:cNvSpPr>
+            <a:spLocks noGrp="1" noRot="1" noChangeAspect="1"/>
+          </p:cNvSpPr>
+          <p:nvPr>
+            <p:ph type="sldImg"/>
+          </p:nvPr>
+        </p:nvSpPr>
+        <p:spPr/>
+      </p:sp>
+      <p:sp>
+        <p:nvSpPr>
+          <p:cNvPr id="3" name="Notes Placeholder 2"/>
+          <p:cNvSpPr>
+            <a:spLocks noGrp="1"/>
+          </p:cNvSpPr>
+          <p:nvPr>
+            <p:ph type="body" idx="1"/>
+          </p:nvPr>
+        </p:nvSpPr>
+        <p:spPr/>
+        <p:txBody>
+          <a:bodyPr/>
+          <a:lstStyle/>
+          <a:p>
+            <a:r>
+              <a:rPr lang="en-US" dirty="0"/>
+              <a:t>- The limiting </a:t>
+            </a:r>
+            <a:r>
+              <a:rPr lang="en-US" dirty="0" err="1"/>
+              <a:t>psudorapidity</a:t>
+            </a:r>
+            <a:r>
+              <a:rPr lang="en-US" dirty="0"/>
+              <a:t> of the …</a:t>
+            </a:r>
+          </a:p>
+        </p:txBody>
+      </p:sp>
+      <p:sp>
+        <p:nvSpPr>
+          <p:cNvPr id="4" name="Slide Number Placeholder 3"/>
+          <p:cNvSpPr>
+            <a:spLocks noGrp="1"/>
+          </p:cNvSpPr>
+          <p:nvPr>
+            <p:ph type="sldNum" sz="quarter" idx="5"/>
+          </p:nvPr>
+        </p:nvSpPr>
+        <p:spPr/>
+        <p:txBody>
+          <a:bodyPr/>
+          <a:lstStyle/>
+          <a:p>
+            <a:fld id="{966EC296-AA85-584E-8224-F9A9CE703278}" type="slidenum">
+              <a:rPr lang="en-US" smtClean="0"/>
+              <a:t>21</a:t>
+            </a:fld>
+            <a:endParaRPr lang="en-US"/>
+          </a:p>
+        </p:txBody>
+      </p:sp>
+    </p:spTree>
+    <p:extLst>
+      <p:ext uri="{BB962C8B-B14F-4D97-AF65-F5344CB8AC3E}">
+        <p14:creationId xmlns:p14="http://schemas.microsoft.com/office/powerpoint/2010/main" val="1843870564"/>
+      </p:ext>
+    </p:extLst>
+  </p:cSld>
+  <p:clrMapOvr>
+    <a:masterClrMapping/>
+  </p:clrMapOvr>
+</p:notes>
+</file>
+
+<file path=ppt/notesSlides/notesSlide14.xml><?xml version="1.0" encoding="utf-8"?>
+<p:notes xmlns:a="http://schemas.openxmlformats.org/drawingml/2006/main" xmlns:r="http://schemas.openxmlformats.org/officeDocument/2006/relationships" xmlns:p="http://schemas.openxmlformats.org/presentationml/2006/main">
+  <p:cSld>
+    <p:spTree>
+      <p:nvGrpSpPr>
+        <p:cNvPr id="1" name=""/>
+        <p:cNvGrpSpPr/>
+        <p:nvPr/>
+      </p:nvGrpSpPr>
+      <p:grpSpPr>
+        <a:xfrm>
+          <a:off x="0" y="0"/>
+          <a:ext cx="0" cy="0"/>
+          <a:chOff x="0" y="0"/>
+          <a:chExt cx="0" cy="0"/>
+        </a:xfrm>
+      </p:grpSpPr>
+      <p:sp>
+        <p:nvSpPr>
+          <p:cNvPr id="2" name="Slide Image Placeholder 1"/>
+          <p:cNvSpPr>
+            <a:spLocks noGrp="1" noRot="1" noChangeAspect="1"/>
+          </p:cNvSpPr>
+          <p:nvPr>
+            <p:ph type="sldImg"/>
+          </p:nvPr>
+        </p:nvSpPr>
+        <p:spPr/>
+      </p:sp>
+      <p:sp>
+        <p:nvSpPr>
+          <p:cNvPr id="3" name="Notes Placeholder 2"/>
+          <p:cNvSpPr>
+            <a:spLocks noGrp="1"/>
+          </p:cNvSpPr>
+          <p:nvPr>
+            <p:ph type="body" idx="1"/>
+          </p:nvPr>
+        </p:nvSpPr>
+        <p:spPr/>
+        <p:txBody>
+          <a:bodyPr/>
+          <a:lstStyle/>
+          <a:p>
+            <a:r>
+              <a:rPr lang="en-US" dirty="0"/>
+              <a:t>- The transverse and longitudinal impact parameter, which is defined as the closest approach of the decay track to the primary vertex, the point protons collide, is limited to …</a:t>
+            </a:r>
+          </a:p>
+        </p:txBody>
+      </p:sp>
+      <p:sp>
+        <p:nvSpPr>
+          <p:cNvPr id="4" name="Slide Number Placeholder 3"/>
+          <p:cNvSpPr>
+            <a:spLocks noGrp="1"/>
+          </p:cNvSpPr>
+          <p:nvPr>
+            <p:ph type="sldNum" sz="quarter" idx="5"/>
+          </p:nvPr>
+        </p:nvSpPr>
+        <p:spPr/>
+        <p:txBody>
+          <a:bodyPr/>
+          <a:lstStyle/>
+          <a:p>
+            <a:fld id="{966EC296-AA85-584E-8224-F9A9CE703278}" type="slidenum">
+              <a:rPr lang="en-US" smtClean="0"/>
+              <a:t>24</a:t>
+            </a:fld>
+            <a:endParaRPr lang="en-US"/>
+          </a:p>
+        </p:txBody>
+      </p:sp>
+    </p:spTree>
+    <p:extLst>
+      <p:ext uri="{BB962C8B-B14F-4D97-AF65-F5344CB8AC3E}">
+        <p14:creationId xmlns:p14="http://schemas.microsoft.com/office/powerpoint/2010/main" val="3722466041"/>
+      </p:ext>
+    </p:extLst>
+  </p:cSld>
+  <p:clrMapOvr>
+    <a:masterClrMapping/>
+  </p:clrMapOvr>
+</p:notes>
+</file>
+
+<file path=ppt/notesSlides/notesSlide15.xml><?xml version="1.0" encoding="utf-8"?>
+<p:notes xmlns:a="http://schemas.openxmlformats.org/drawingml/2006/main" xmlns:r="http://schemas.openxmlformats.org/officeDocument/2006/relationships" xmlns:p="http://schemas.openxmlformats.org/presentationml/2006/main">
+  <p:cSld>
+    <p:spTree>
+      <p:nvGrpSpPr>
+        <p:cNvPr id="1" name=""/>
+        <p:cNvGrpSpPr/>
+        <p:nvPr/>
+      </p:nvGrpSpPr>
+      <p:grpSpPr>
+        <a:xfrm>
+          <a:off x="0" y="0"/>
+          <a:ext cx="0" cy="0"/>
+          <a:chOff x="0" y="0"/>
+          <a:chExt cx="0" cy="0"/>
+        </a:xfrm>
+      </p:grpSpPr>
+      <p:sp>
+        <p:nvSpPr>
+          <p:cNvPr id="2" name="Slide Image Placeholder 1"/>
+          <p:cNvSpPr>
+            <a:spLocks noGrp="1" noRot="1" noChangeAspect="1"/>
+          </p:cNvSpPr>
+          <p:nvPr>
+            <p:ph type="sldImg"/>
+          </p:nvPr>
+        </p:nvSpPr>
+        <p:spPr/>
+      </p:sp>
+      <p:sp>
+        <p:nvSpPr>
+          <p:cNvPr id="3" name="Notes Placeholder 2"/>
+          <p:cNvSpPr>
+            <a:spLocks noGrp="1"/>
+          </p:cNvSpPr>
+          <p:nvPr>
+            <p:ph type="body" idx="1"/>
+          </p:nvPr>
+        </p:nvSpPr>
+        <p:spPr/>
+        <p:txBody>
+          <a:bodyPr/>
+          <a:lstStyle/>
+          <a:p>
+            <a:r>
+              <a:rPr lang="en-US" dirty="0"/>
+              <a:t>- The significance of the 3D impact parameter, which is essentially the signal-noise ratio of the 3D impact parameter due to statistical effect is limited to …</a:t>
+            </a:r>
+          </a:p>
+          <a:p>
+            <a:r>
+              <a:rPr lang="en-US" dirty="0"/>
+              <a:t>- This basically measure how certain it is that particles arise further from the primary vertex, which a low number mean all leptons originate from the same point.</a:t>
+            </a:r>
+          </a:p>
+        </p:txBody>
+      </p:sp>
+      <p:sp>
+        <p:nvSpPr>
+          <p:cNvPr id="4" name="Slide Number Placeholder 3"/>
+          <p:cNvSpPr>
+            <a:spLocks noGrp="1"/>
+          </p:cNvSpPr>
+          <p:nvPr>
+            <p:ph type="sldNum" sz="quarter" idx="5"/>
+          </p:nvPr>
+        </p:nvSpPr>
+        <p:spPr/>
+        <p:txBody>
+          <a:bodyPr/>
+          <a:lstStyle/>
+          <a:p>
+            <a:fld id="{966EC296-AA85-584E-8224-F9A9CE703278}" type="slidenum">
+              <a:rPr lang="en-US" smtClean="0"/>
+              <a:t>25</a:t>
+            </a:fld>
+            <a:endParaRPr lang="en-US"/>
+          </a:p>
+        </p:txBody>
+      </p:sp>
+    </p:spTree>
+    <p:extLst>
+      <p:ext uri="{BB962C8B-B14F-4D97-AF65-F5344CB8AC3E}">
+        <p14:creationId xmlns:p14="http://schemas.microsoft.com/office/powerpoint/2010/main" val="3954610335"/>
+      </p:ext>
+    </p:extLst>
+  </p:cSld>
+  <p:clrMapOvr>
+    <a:masterClrMapping/>
+  </p:clrMapOvr>
+</p:notes>
+</file>
+
+<file path=ppt/notesSlides/notesSlide16.xml><?xml version="1.0" encoding="utf-8"?>
+<p:notes xmlns:a="http://schemas.openxmlformats.org/drawingml/2006/main" xmlns:r="http://schemas.openxmlformats.org/officeDocument/2006/relationships" xmlns:p="http://schemas.openxmlformats.org/presentationml/2006/main">
+  <p:cSld>
+    <p:spTree>
+      <p:nvGrpSpPr>
+        <p:cNvPr id="1" name=""/>
+        <p:cNvGrpSpPr/>
+        <p:nvPr/>
+      </p:nvGrpSpPr>
+      <p:grpSpPr>
+        <a:xfrm>
+          <a:off x="0" y="0"/>
+          <a:ext cx="0" cy="0"/>
+          <a:chOff x="0" y="0"/>
+          <a:chExt cx="0" cy="0"/>
+        </a:xfrm>
+      </p:grpSpPr>
+      <p:sp>
+        <p:nvSpPr>
+          <p:cNvPr id="2" name="Slide Image Placeholder 1"/>
+          <p:cNvSpPr>
+            <a:spLocks noGrp="1" noRot="1" noChangeAspect="1"/>
+          </p:cNvSpPr>
+          <p:nvPr>
+            <p:ph type="sldImg"/>
+          </p:nvPr>
+        </p:nvSpPr>
+        <p:spPr/>
+      </p:sp>
+      <p:sp>
+        <p:nvSpPr>
+          <p:cNvPr id="3" name="Notes Placeholder 2"/>
+          <p:cNvSpPr>
+            <a:spLocks noGrp="1"/>
+          </p:cNvSpPr>
+          <p:nvPr>
+            <p:ph type="body" idx="1"/>
+          </p:nvPr>
+        </p:nvSpPr>
+        <p:spPr/>
+        <p:txBody>
+          <a:bodyPr/>
+          <a:lstStyle/>
+          <a:p>
+            <a:r>
+              <a:rPr lang="en-US" dirty="0"/>
+              <a:t>- The relative isolation of lepton, which is basically the ratio between the transverse momentum of all particles within certain radius from the leptons and the transverse momentum of the leptons, is limited to 0.4 for the delta R of 0.4.</a:t>
+            </a:r>
+          </a:p>
+        </p:txBody>
+      </p:sp>
+      <p:sp>
+        <p:nvSpPr>
+          <p:cNvPr id="4" name="Slide Number Placeholder 3"/>
+          <p:cNvSpPr>
+            <a:spLocks noGrp="1"/>
+          </p:cNvSpPr>
+          <p:nvPr>
+            <p:ph type="sldNum" sz="quarter" idx="5"/>
+          </p:nvPr>
+        </p:nvSpPr>
+        <p:spPr/>
+        <p:txBody>
+          <a:bodyPr/>
+          <a:lstStyle/>
+          <a:p>
+            <a:fld id="{966EC296-AA85-584E-8224-F9A9CE703278}" type="slidenum">
+              <a:rPr lang="en-US" smtClean="0"/>
+              <a:t>26</a:t>
+            </a:fld>
+            <a:endParaRPr lang="en-US"/>
+          </a:p>
+        </p:txBody>
+      </p:sp>
+    </p:spTree>
+    <p:extLst>
+      <p:ext uri="{BB962C8B-B14F-4D97-AF65-F5344CB8AC3E}">
+        <p14:creationId xmlns:p14="http://schemas.microsoft.com/office/powerpoint/2010/main" val="1226138211"/>
+      </p:ext>
+    </p:extLst>
+  </p:cSld>
+  <p:clrMapOvr>
+    <a:masterClrMapping/>
+  </p:clrMapOvr>
+</p:notes>
+</file>
+
+<file path=ppt/notesSlides/notesSlide17.xml><?xml version="1.0" encoding="utf-8"?>
+<p:notes xmlns:a="http://schemas.openxmlformats.org/drawingml/2006/main" xmlns:r="http://schemas.openxmlformats.org/officeDocument/2006/relationships" xmlns:p="http://schemas.openxmlformats.org/presentationml/2006/main">
+  <p:cSld>
+    <p:spTree>
+      <p:nvGrpSpPr>
+        <p:cNvPr id="1" name=""/>
+        <p:cNvGrpSpPr/>
+        <p:nvPr/>
+      </p:nvGrpSpPr>
+      <p:grpSpPr>
+        <a:xfrm>
+          <a:off x="0" y="0"/>
+          <a:ext cx="0" cy="0"/>
+          <a:chOff x="0" y="0"/>
+          <a:chExt cx="0" cy="0"/>
+        </a:xfrm>
+      </p:grpSpPr>
+      <p:sp>
+        <p:nvSpPr>
+          <p:cNvPr id="2" name="Slide Image Placeholder 1"/>
+          <p:cNvSpPr>
+            <a:spLocks noGrp="1" noRot="1" noChangeAspect="1"/>
+          </p:cNvSpPr>
+          <p:nvPr>
+            <p:ph type="sldImg"/>
+          </p:nvPr>
+        </p:nvSpPr>
+        <p:spPr/>
+      </p:sp>
+      <p:sp>
+        <p:nvSpPr>
+          <p:cNvPr id="3" name="Notes Placeholder 2"/>
+          <p:cNvSpPr>
+            <a:spLocks noGrp="1"/>
+          </p:cNvSpPr>
+          <p:nvPr>
+            <p:ph type="body" idx="1"/>
+          </p:nvPr>
+        </p:nvSpPr>
+        <p:spPr/>
+        <p:txBody>
+          <a:bodyPr/>
+          <a:lstStyle/>
+          <a:p>
+            <a:r>
+              <a:rPr lang="en-US" dirty="0"/>
+              <a:t>- Here what the expected distribution of the four-lepton invariant mass would look like from these selection criteria, basing on the Monte Carlo simulations.</a:t>
+            </a:r>
+          </a:p>
+        </p:txBody>
+      </p:sp>
+      <p:sp>
+        <p:nvSpPr>
+          <p:cNvPr id="4" name="Slide Number Placeholder 3"/>
+          <p:cNvSpPr>
+            <a:spLocks noGrp="1"/>
+          </p:cNvSpPr>
+          <p:nvPr>
+            <p:ph type="sldNum" sz="quarter" idx="5"/>
+          </p:nvPr>
+        </p:nvSpPr>
+        <p:spPr/>
+        <p:txBody>
+          <a:bodyPr/>
+          <a:lstStyle/>
+          <a:p>
+            <a:fld id="{966EC296-AA85-584E-8224-F9A9CE703278}" type="slidenum">
+              <a:rPr lang="en-US" smtClean="0"/>
+              <a:t>27</a:t>
+            </a:fld>
+            <a:endParaRPr lang="en-US"/>
+          </a:p>
+        </p:txBody>
+      </p:sp>
+    </p:spTree>
+    <p:extLst>
+      <p:ext uri="{BB962C8B-B14F-4D97-AF65-F5344CB8AC3E}">
+        <p14:creationId xmlns:p14="http://schemas.microsoft.com/office/powerpoint/2010/main" val="215272994"/>
+      </p:ext>
+    </p:extLst>
+  </p:cSld>
+  <p:clrMapOvr>
+    <a:masterClrMapping/>
+  </p:clrMapOvr>
+</p:notes>
+</file>
+
+<file path=ppt/notesSlides/notesSlide18.xml><?xml version="1.0" encoding="utf-8"?>
+<p:notes xmlns:a="http://schemas.openxmlformats.org/drawingml/2006/main" xmlns:r="http://schemas.openxmlformats.org/officeDocument/2006/relationships" xmlns:p="http://schemas.openxmlformats.org/presentationml/2006/main">
+  <p:cSld>
+    <p:spTree>
+      <p:nvGrpSpPr>
+        <p:cNvPr id="1" name=""/>
+        <p:cNvGrpSpPr/>
+        <p:nvPr/>
+      </p:nvGrpSpPr>
+      <p:grpSpPr>
+        <a:xfrm>
+          <a:off x="0" y="0"/>
+          <a:ext cx="0" cy="0"/>
+          <a:chOff x="0" y="0"/>
+          <a:chExt cx="0" cy="0"/>
+        </a:xfrm>
+      </p:grpSpPr>
+      <p:sp>
+        <p:nvSpPr>
+          <p:cNvPr id="2" name="Slide Image Placeholder 1"/>
+          <p:cNvSpPr>
+            <a:spLocks noGrp="1" noRot="1" noChangeAspect="1"/>
+          </p:cNvSpPr>
+          <p:nvPr>
+            <p:ph type="sldImg"/>
+          </p:nvPr>
+        </p:nvSpPr>
+        <p:spPr/>
+      </p:sp>
+      <p:sp>
+        <p:nvSpPr>
+          <p:cNvPr id="3" name="Notes Placeholder 2"/>
+          <p:cNvSpPr>
+            <a:spLocks noGrp="1"/>
+          </p:cNvSpPr>
+          <p:nvPr>
+            <p:ph type="body" idx="1"/>
+          </p:nvPr>
+        </p:nvSpPr>
+        <p:spPr/>
+        <p:txBody>
+          <a:bodyPr/>
+          <a:lstStyle/>
+          <a:p>
+            <a:endParaRPr lang="en-US" dirty="0"/>
+          </a:p>
+        </p:txBody>
+      </p:sp>
+      <p:sp>
+        <p:nvSpPr>
+          <p:cNvPr id="4" name="Slide Number Placeholder 3"/>
+          <p:cNvSpPr>
+            <a:spLocks noGrp="1"/>
+          </p:cNvSpPr>
+          <p:nvPr>
+            <p:ph type="sldNum" sz="quarter" idx="5"/>
+          </p:nvPr>
+        </p:nvSpPr>
+        <p:spPr/>
+        <p:txBody>
+          <a:bodyPr/>
+          <a:lstStyle/>
+          <a:p>
+            <a:fld id="{966EC296-AA85-584E-8224-F9A9CE703278}" type="slidenum">
+              <a:rPr lang="en-US" smtClean="0"/>
+              <a:t>33</a:t>
+            </a:fld>
+            <a:endParaRPr lang="en-US"/>
+          </a:p>
+        </p:txBody>
+      </p:sp>
+    </p:spTree>
+    <p:extLst>
+      <p:ext uri="{BB962C8B-B14F-4D97-AF65-F5344CB8AC3E}">
+        <p14:creationId xmlns:p14="http://schemas.microsoft.com/office/powerpoint/2010/main" val="254058524"/>
+      </p:ext>
+    </p:extLst>
+  </p:cSld>
+  <p:clrMapOvr>
+    <a:masterClrMapping/>
+  </p:clrMapOvr>
+</p:notes>
+</file>
+
+<file path=ppt/notesSlides/notesSlide19.xml><?xml version="1.0" encoding="utf-8"?>
+<p:notes xmlns:a="http://schemas.openxmlformats.org/drawingml/2006/main" xmlns:r="http://schemas.openxmlformats.org/officeDocument/2006/relationships" xmlns:p="http://schemas.openxmlformats.org/presentationml/2006/main">
+  <p:cSld>
+    <p:spTree>
+      <p:nvGrpSpPr>
+        <p:cNvPr id="1" name=""/>
+        <p:cNvGrpSpPr/>
+        <p:nvPr/>
+      </p:nvGrpSpPr>
+      <p:grpSpPr>
+        <a:xfrm>
+          <a:off x="0" y="0"/>
+          <a:ext cx="0" cy="0"/>
+          <a:chOff x="0" y="0"/>
+          <a:chExt cx="0" cy="0"/>
+        </a:xfrm>
+      </p:grpSpPr>
+      <p:sp>
+        <p:nvSpPr>
+          <p:cNvPr id="2" name="Slide Image Placeholder 1"/>
+          <p:cNvSpPr>
+            <a:spLocks noGrp="1" noRot="1" noChangeAspect="1"/>
+          </p:cNvSpPr>
+          <p:nvPr>
+            <p:ph type="sldImg"/>
+          </p:nvPr>
+        </p:nvSpPr>
+        <p:spPr/>
+      </p:sp>
+      <p:sp>
+        <p:nvSpPr>
+          <p:cNvPr id="3" name="Notes Placeholder 2"/>
+          <p:cNvSpPr>
+            <a:spLocks noGrp="1"/>
+          </p:cNvSpPr>
+          <p:nvPr>
+            <p:ph type="body" idx="1"/>
+          </p:nvPr>
+        </p:nvSpPr>
+        <p:spPr/>
+        <p:txBody>
+          <a:bodyPr/>
+          <a:lstStyle/>
+          <a:p>
+            <a:r>
+              <a:rPr lang="en-US" dirty="0"/>
+              <a:t>- This basically mean we are performing a combination of gradient descent and grid search rather than full gradient descent</a:t>
+            </a:r>
+          </a:p>
+        </p:txBody>
+      </p:sp>
+      <p:sp>
+        <p:nvSpPr>
+          <p:cNvPr id="4" name="Slide Number Placeholder 3"/>
+          <p:cNvSpPr>
+            <a:spLocks noGrp="1"/>
+          </p:cNvSpPr>
+          <p:nvPr>
+            <p:ph type="sldNum" sz="quarter" idx="5"/>
+          </p:nvPr>
+        </p:nvSpPr>
+        <p:spPr/>
+        <p:txBody>
+          <a:bodyPr/>
+          <a:lstStyle/>
+          <a:p>
+            <a:fld id="{966EC296-AA85-584E-8224-F9A9CE703278}" type="slidenum">
+              <a:rPr lang="en-US" smtClean="0"/>
+              <a:t>44</a:t>
+            </a:fld>
+            <a:endParaRPr lang="en-US"/>
+          </a:p>
+        </p:txBody>
+      </p:sp>
+    </p:spTree>
+    <p:extLst>
+      <p:ext uri="{BB962C8B-B14F-4D97-AF65-F5344CB8AC3E}">
+        <p14:creationId xmlns:p14="http://schemas.microsoft.com/office/powerpoint/2010/main" val="4228580046"/>
+      </p:ext>
+    </p:extLst>
+  </p:cSld>
+  <p:clrMapOvr>
+    <a:masterClrMapping/>
+  </p:clrMapOvr>
+</p:notes>
+</file>
+
+<file path=ppt/notesSlides/notesSlide2.xml><?xml version="1.0" encoding="utf-8"?>
+<p:notes xmlns:a="http://schemas.openxmlformats.org/drawingml/2006/main" xmlns:r="http://schemas.openxmlformats.org/officeDocument/2006/relationships" xmlns:p="http://schemas.openxmlformats.org/presentationml/2006/main">
+  <p:cSld>
+    <p:spTree>
+      <p:nvGrpSpPr>
+        <p:cNvPr id="1" name=""/>
+        <p:cNvGrpSpPr/>
+        <p:nvPr/>
+      </p:nvGrpSpPr>
+      <p:grpSpPr>
+        <a:xfrm>
+          <a:off x="0" y="0"/>
+          <a:ext cx="0" cy="0"/>
+          <a:chOff x="0" y="0"/>
+          <a:chExt cx="0" cy="0"/>
+        </a:xfrm>
+      </p:grpSpPr>
+      <p:sp>
+        <p:nvSpPr>
+          <p:cNvPr id="2" name="Slide Image Placeholder 1"/>
+          <p:cNvSpPr>
+            <a:spLocks noGrp="1" noRot="1" noChangeAspect="1"/>
+          </p:cNvSpPr>
+          <p:nvPr>
+            <p:ph type="sldImg"/>
+          </p:nvPr>
+        </p:nvSpPr>
+        <p:spPr/>
+      </p:sp>
+      <p:sp>
+        <p:nvSpPr>
+          <p:cNvPr id="3" name="Notes Placeholder 2"/>
+          <p:cNvSpPr>
+            <a:spLocks noGrp="1"/>
+          </p:cNvSpPr>
+          <p:nvPr>
+            <p:ph type="body" idx="1"/>
+          </p:nvPr>
+        </p:nvSpPr>
+        <p:spPr/>
+        <p:txBody>
+          <a:bodyPr/>
+          <a:lstStyle/>
+          <a:p>
+            <a:endParaRPr lang="en-US" dirty="0"/>
+          </a:p>
+        </p:txBody>
+      </p:sp>
+      <p:sp>
+        <p:nvSpPr>
+          <p:cNvPr id="4" name="Slide Number Placeholder 3"/>
+          <p:cNvSpPr>
+            <a:spLocks noGrp="1"/>
+          </p:cNvSpPr>
+          <p:nvPr>
+            <p:ph type="sldNum" sz="quarter" idx="5"/>
+          </p:nvPr>
+        </p:nvSpPr>
+        <p:spPr/>
+        <p:txBody>
+          <a:bodyPr/>
+          <a:lstStyle/>
+          <a:p>
+            <a:fld id="{966EC296-AA85-584E-8224-F9A9CE703278}" type="slidenum">
+              <a:rPr lang="en-US" smtClean="0"/>
+              <a:t>2</a:t>
+            </a:fld>
+            <a:endParaRPr lang="en-US"/>
+          </a:p>
+        </p:txBody>
+      </p:sp>
+    </p:spTree>
+    <p:extLst>
+      <p:ext uri="{BB962C8B-B14F-4D97-AF65-F5344CB8AC3E}">
+        <p14:creationId xmlns:p14="http://schemas.microsoft.com/office/powerpoint/2010/main" val="2308809089"/>
+      </p:ext>
+    </p:extLst>
+  </p:cSld>
+  <p:clrMapOvr>
+    <a:masterClrMapping/>
+  </p:clrMapOvr>
+</p:notes>
+</file>
+
+<file path=ppt/notesSlides/notesSlide3.xml><?xml version="1.0" encoding="utf-8"?>
+<p:notes xmlns:a="http://schemas.openxmlformats.org/drawingml/2006/main" xmlns:r="http://schemas.openxmlformats.org/officeDocument/2006/relationships" xmlns:p="http://schemas.openxmlformats.org/presentationml/2006/main">
+  <p:cSld>
+    <p:spTree>
+      <p:nvGrpSpPr>
+        <p:cNvPr id="1" name=""/>
+        <p:cNvGrpSpPr/>
+        <p:nvPr/>
+      </p:nvGrpSpPr>
+      <p:grpSpPr>
+        <a:xfrm>
+          <a:off x="0" y="0"/>
+          <a:ext cx="0" cy="0"/>
+          <a:chOff x="0" y="0"/>
+          <a:chExt cx="0" cy="0"/>
+        </a:xfrm>
+      </p:grpSpPr>
+      <p:sp>
+        <p:nvSpPr>
+          <p:cNvPr id="2" name="Slide Image Placeholder 1"/>
+          <p:cNvSpPr>
+            <a:spLocks noGrp="1" noRot="1" noChangeAspect="1"/>
+          </p:cNvSpPr>
+          <p:nvPr>
+            <p:ph type="sldImg"/>
+          </p:nvPr>
+        </p:nvSpPr>
+        <p:spPr/>
+      </p:sp>
+      <p:sp>
+        <p:nvSpPr>
+          <p:cNvPr id="3" name="Notes Placeholder 2"/>
+          <p:cNvSpPr>
+            <a:spLocks noGrp="1"/>
+          </p:cNvSpPr>
+          <p:nvPr>
+            <p:ph type="body" idx="1"/>
+          </p:nvPr>
+        </p:nvSpPr>
+        <p:spPr/>
+        <p:txBody>
+          <a:bodyPr/>
+          <a:lstStyle/>
+          <a:p>
+            <a:pPr marL="171450" indent="-171450">
+              <a:buFontTx/>
+              <a:buChar char="-"/>
+            </a:pPr>
+            <a:r>
+              <a:rPr lang="en-US" dirty="0"/>
+              <a:t>Up to the early 2000s, while evidences for the tau neutrino and top quark have been observed, the Higgs remains elusive.</a:t>
+            </a:r>
+          </a:p>
+          <a:p>
+            <a:pPr marL="171450" indent="-171450">
+              <a:buFontTx/>
+              <a:buChar char="-"/>
+            </a:pPr>
+            <a:r>
+              <a:rPr lang="en-US" dirty="0"/>
+              <a:t>Here, we present an observation of the Higgs boson, using part of the data collected at the CMS experiment in 2011-2012.</a:t>
+            </a:r>
+          </a:p>
+        </p:txBody>
+      </p:sp>
+      <p:sp>
+        <p:nvSpPr>
+          <p:cNvPr id="4" name="Slide Number Placeholder 3"/>
+          <p:cNvSpPr>
+            <a:spLocks noGrp="1"/>
+          </p:cNvSpPr>
+          <p:nvPr>
+            <p:ph type="sldNum" sz="quarter" idx="5"/>
+          </p:nvPr>
+        </p:nvSpPr>
+        <p:spPr/>
+        <p:txBody>
+          <a:bodyPr/>
+          <a:lstStyle/>
+          <a:p>
+            <a:fld id="{966EC296-AA85-584E-8224-F9A9CE703278}" type="slidenum">
+              <a:rPr lang="en-US" smtClean="0"/>
+              <a:t>5</a:t>
+            </a:fld>
+            <a:endParaRPr lang="en-US"/>
+          </a:p>
+        </p:txBody>
+      </p:sp>
+    </p:spTree>
+    <p:extLst>
+      <p:ext uri="{BB962C8B-B14F-4D97-AF65-F5344CB8AC3E}">
+        <p14:creationId xmlns:p14="http://schemas.microsoft.com/office/powerpoint/2010/main" val="2905314499"/>
+      </p:ext>
+    </p:extLst>
+  </p:cSld>
+  <p:clrMapOvr>
+    <a:masterClrMapping/>
+  </p:clrMapOvr>
+</p:notes>
+</file>
+
+<file path=ppt/notesSlides/notesSlide4.xml><?xml version="1.0" encoding="utf-8"?>
+<p:notes xmlns:a="http://schemas.openxmlformats.org/drawingml/2006/main" xmlns:r="http://schemas.openxmlformats.org/officeDocument/2006/relationships" xmlns:p="http://schemas.openxmlformats.org/presentationml/2006/main">
+  <p:cSld>
+    <p:spTree>
+      <p:nvGrpSpPr>
+        <p:cNvPr id="1" name=""/>
+        <p:cNvGrpSpPr/>
+        <p:nvPr/>
+      </p:nvGrpSpPr>
+      <p:grpSpPr>
+        <a:xfrm>
+          <a:off x="0" y="0"/>
+          <a:ext cx="0" cy="0"/>
+          <a:chOff x="0" y="0"/>
+          <a:chExt cx="0" cy="0"/>
+        </a:xfrm>
+      </p:grpSpPr>
+      <p:sp>
+        <p:nvSpPr>
+          <p:cNvPr id="2" name="Slide Image Placeholder 1"/>
+          <p:cNvSpPr>
+            <a:spLocks noGrp="1" noRot="1" noChangeAspect="1"/>
+          </p:cNvSpPr>
+          <p:nvPr>
+            <p:ph type="sldImg"/>
+          </p:nvPr>
+        </p:nvSpPr>
+        <p:spPr/>
+      </p:sp>
+      <p:sp>
+        <p:nvSpPr>
+          <p:cNvPr id="3" name="Notes Placeholder 2"/>
+          <p:cNvSpPr>
+            <a:spLocks noGrp="1"/>
+          </p:cNvSpPr>
+          <p:nvPr>
+            <p:ph type="body" idx="1"/>
+          </p:nvPr>
+        </p:nvSpPr>
+        <p:spPr/>
+        <p:txBody>
+          <a:bodyPr/>
+          <a:lstStyle/>
+          <a:p>
+            <a:r>
+              <a:rPr lang="en-US" dirty="0"/>
+              <a:t>- Our observation of the Higgs focus on the four-leptons channel, which is the result of the Higgs boson decaying into two Z bosons, each of which, in turn, decays into a pair of lepton-antilepton, thus the name, four-lepton channel.</a:t>
+            </a:r>
+          </a:p>
+        </p:txBody>
+      </p:sp>
+      <p:sp>
+        <p:nvSpPr>
+          <p:cNvPr id="4" name="Slide Number Placeholder 3"/>
+          <p:cNvSpPr>
+            <a:spLocks noGrp="1"/>
+          </p:cNvSpPr>
+          <p:nvPr>
+            <p:ph type="sldNum" sz="quarter" idx="5"/>
+          </p:nvPr>
+        </p:nvSpPr>
+        <p:spPr/>
+        <p:txBody>
+          <a:bodyPr/>
+          <a:lstStyle/>
+          <a:p>
+            <a:fld id="{966EC296-AA85-584E-8224-F9A9CE703278}" type="slidenum">
+              <a:rPr lang="en-US" smtClean="0"/>
+              <a:t>6</a:t>
+            </a:fld>
+            <a:endParaRPr lang="en-US"/>
+          </a:p>
+        </p:txBody>
+      </p:sp>
+    </p:spTree>
+    <p:extLst>
+      <p:ext uri="{BB962C8B-B14F-4D97-AF65-F5344CB8AC3E}">
+        <p14:creationId xmlns:p14="http://schemas.microsoft.com/office/powerpoint/2010/main" val="3703204097"/>
+      </p:ext>
+    </p:extLst>
+  </p:cSld>
+  <p:clrMapOvr>
+    <a:masterClrMapping/>
+  </p:clrMapOvr>
+</p:notes>
+</file>
+
+<file path=ppt/notesSlides/notesSlide5.xml><?xml version="1.0" encoding="utf-8"?>
+<p:notes xmlns:a="http://schemas.openxmlformats.org/drawingml/2006/main" xmlns:r="http://schemas.openxmlformats.org/officeDocument/2006/relationships" xmlns:p="http://schemas.openxmlformats.org/presentationml/2006/main">
+  <p:cSld>
+    <p:spTree>
+      <p:nvGrpSpPr>
+        <p:cNvPr id="1" name=""/>
+        <p:cNvGrpSpPr/>
+        <p:nvPr/>
+      </p:nvGrpSpPr>
+      <p:grpSpPr>
+        <a:xfrm>
+          <a:off x="0" y="0"/>
+          <a:ext cx="0" cy="0"/>
+          <a:chOff x="0" y="0"/>
+          <a:chExt cx="0" cy="0"/>
+        </a:xfrm>
+      </p:grpSpPr>
+      <p:sp>
+        <p:nvSpPr>
+          <p:cNvPr id="2" name="Slide Image Placeholder 1"/>
+          <p:cNvSpPr>
+            <a:spLocks noGrp="1" noRot="1" noChangeAspect="1"/>
+          </p:cNvSpPr>
+          <p:nvPr>
+            <p:ph type="sldImg"/>
+          </p:nvPr>
+        </p:nvSpPr>
+        <p:spPr/>
+      </p:sp>
+      <p:sp>
+        <p:nvSpPr>
+          <p:cNvPr id="3" name="Notes Placeholder 2"/>
+          <p:cNvSpPr>
+            <a:spLocks noGrp="1"/>
+          </p:cNvSpPr>
+          <p:nvPr>
+            <p:ph type="body" idx="1"/>
+          </p:nvPr>
+        </p:nvSpPr>
+        <p:spPr/>
+        <p:txBody>
+          <a:bodyPr/>
+          <a:lstStyle/>
+          <a:p>
+            <a:r>
+              <a:rPr lang="en-US" dirty="0"/>
+              <a:t>- The channel is deemed as the golden channel as the final product include …</a:t>
+            </a:r>
+          </a:p>
+        </p:txBody>
+      </p:sp>
+      <p:sp>
+        <p:nvSpPr>
+          <p:cNvPr id="4" name="Slide Number Placeholder 3"/>
+          <p:cNvSpPr>
+            <a:spLocks noGrp="1"/>
+          </p:cNvSpPr>
+          <p:nvPr>
+            <p:ph type="sldNum" sz="quarter" idx="5"/>
+          </p:nvPr>
+        </p:nvSpPr>
+        <p:spPr/>
+        <p:txBody>
+          <a:bodyPr/>
+          <a:lstStyle/>
+          <a:p>
+            <a:fld id="{966EC296-AA85-584E-8224-F9A9CE703278}" type="slidenum">
+              <a:rPr lang="en-US" smtClean="0"/>
+              <a:t>7</a:t>
+            </a:fld>
+            <a:endParaRPr lang="en-US"/>
+          </a:p>
+        </p:txBody>
+      </p:sp>
+    </p:spTree>
+    <p:extLst>
+      <p:ext uri="{BB962C8B-B14F-4D97-AF65-F5344CB8AC3E}">
+        <p14:creationId xmlns:p14="http://schemas.microsoft.com/office/powerpoint/2010/main" val="1836017507"/>
+      </p:ext>
+    </p:extLst>
+  </p:cSld>
+  <p:clrMapOvr>
+    <a:masterClrMapping/>
+  </p:clrMapOvr>
+</p:notes>
+</file>
+
+<file path=ppt/notesSlides/notesSlide6.xml><?xml version="1.0" encoding="utf-8"?>
+<p:notes xmlns:a="http://schemas.openxmlformats.org/drawingml/2006/main" xmlns:r="http://schemas.openxmlformats.org/officeDocument/2006/relationships" xmlns:p="http://schemas.openxmlformats.org/presentationml/2006/main">
+  <p:cSld>
+    <p:spTree>
+      <p:nvGrpSpPr>
+        <p:cNvPr id="1" name=""/>
+        <p:cNvGrpSpPr/>
+        <p:nvPr/>
+      </p:nvGrpSpPr>
+      <p:grpSpPr>
+        <a:xfrm>
+          <a:off x="0" y="0"/>
+          <a:ext cx="0" cy="0"/>
+          <a:chOff x="0" y="0"/>
+          <a:chExt cx="0" cy="0"/>
+        </a:xfrm>
+      </p:grpSpPr>
+      <p:sp>
+        <p:nvSpPr>
+          <p:cNvPr id="2" name="Slide Image Placeholder 1"/>
+          <p:cNvSpPr>
+            <a:spLocks noGrp="1" noRot="1" noChangeAspect="1"/>
+          </p:cNvSpPr>
+          <p:nvPr>
+            <p:ph type="sldImg"/>
+          </p:nvPr>
+        </p:nvSpPr>
+        <p:spPr/>
+      </p:sp>
+      <p:sp>
+        <p:nvSpPr>
+          <p:cNvPr id="3" name="Notes Placeholder 2"/>
+          <p:cNvSpPr>
+            <a:spLocks noGrp="1"/>
+          </p:cNvSpPr>
+          <p:nvPr>
+            <p:ph type="body" idx="1"/>
+          </p:nvPr>
+        </p:nvSpPr>
+        <p:spPr/>
+        <p:txBody>
+          <a:bodyPr/>
+          <a:lstStyle/>
+          <a:p>
+            <a:r>
+              <a:rPr lang="en-US" dirty="0"/>
+              <a:t>- Others background process includes the Z boson decay coupling with jets, and the top-</a:t>
+            </a:r>
+            <a:r>
+              <a:rPr lang="en-US" dirty="0" err="1"/>
+              <a:t>antitop</a:t>
+            </a:r>
+            <a:r>
+              <a:rPr lang="en-US" dirty="0"/>
+              <a:t> decays</a:t>
+            </a:r>
+          </a:p>
+        </p:txBody>
+      </p:sp>
+      <p:sp>
+        <p:nvSpPr>
+          <p:cNvPr id="4" name="Slide Number Placeholder 3"/>
+          <p:cNvSpPr>
+            <a:spLocks noGrp="1"/>
+          </p:cNvSpPr>
+          <p:nvPr>
+            <p:ph type="sldNum" sz="quarter" idx="5"/>
+          </p:nvPr>
+        </p:nvSpPr>
+        <p:spPr/>
+        <p:txBody>
+          <a:bodyPr/>
+          <a:lstStyle/>
+          <a:p>
+            <a:fld id="{966EC296-AA85-584E-8224-F9A9CE703278}" type="slidenum">
+              <a:rPr lang="en-US" smtClean="0"/>
+              <a:t>11</a:t>
+            </a:fld>
+            <a:endParaRPr lang="en-US"/>
+          </a:p>
+        </p:txBody>
+      </p:sp>
+    </p:spTree>
+    <p:extLst>
+      <p:ext uri="{BB962C8B-B14F-4D97-AF65-F5344CB8AC3E}">
+        <p14:creationId xmlns:p14="http://schemas.microsoft.com/office/powerpoint/2010/main" val="210933254"/>
+      </p:ext>
+    </p:extLst>
+  </p:cSld>
+  <p:clrMapOvr>
+    <a:masterClrMapping/>
+  </p:clrMapOvr>
+</p:notes>
+</file>
+
+<file path=ppt/notesSlides/notesSlide7.xml><?xml version="1.0" encoding="utf-8"?>
+<p:notes xmlns:a="http://schemas.openxmlformats.org/drawingml/2006/main" xmlns:r="http://schemas.openxmlformats.org/officeDocument/2006/relationships" xmlns:p="http://schemas.openxmlformats.org/presentationml/2006/main">
+  <p:cSld>
+    <p:spTree>
+      <p:nvGrpSpPr>
+        <p:cNvPr id="1" name=""/>
+        <p:cNvGrpSpPr/>
+        <p:nvPr/>
+      </p:nvGrpSpPr>
+      <p:grpSpPr>
+        <a:xfrm>
+          <a:off x="0" y="0"/>
+          <a:ext cx="0" cy="0"/>
+          <a:chOff x="0" y="0"/>
+          <a:chExt cx="0" cy="0"/>
+        </a:xfrm>
+      </p:grpSpPr>
+      <p:sp>
+        <p:nvSpPr>
+          <p:cNvPr id="2" name="Slide Image Placeholder 1"/>
+          <p:cNvSpPr>
+            <a:spLocks noGrp="1" noRot="1" noChangeAspect="1"/>
+          </p:cNvSpPr>
+          <p:nvPr>
+            <p:ph type="sldImg"/>
+          </p:nvPr>
+        </p:nvSpPr>
+        <p:spPr/>
+      </p:sp>
+      <p:sp>
+        <p:nvSpPr>
+          <p:cNvPr id="3" name="Notes Placeholder 2"/>
+          <p:cNvSpPr>
+            <a:spLocks noGrp="1"/>
+          </p:cNvSpPr>
+          <p:nvPr>
+            <p:ph type="body" idx="1"/>
+          </p:nvPr>
+        </p:nvSpPr>
+        <p:spPr/>
+        <p:txBody>
+          <a:bodyPr/>
+          <a:lstStyle/>
+          <a:p>
+            <a:pPr marL="171450" indent="-171450">
+              <a:buFontTx/>
+              <a:buChar char="-"/>
+            </a:pPr>
+            <a:r>
+              <a:rPr lang="en-US" dirty="0"/>
+              <a:t>A little bit about the detector</a:t>
+            </a:r>
+          </a:p>
+          <a:p>
+            <a:pPr marL="171450" indent="-171450">
+              <a:buFontTx/>
+              <a:buChar char="-"/>
+            </a:pPr>
+            <a:r>
+              <a:rPr lang="en-US" dirty="0"/>
+              <a:t>CMS, short for the compact muon solenoid, is one of the two general purpose detectors at the LHC, along side ATLAS</a:t>
+            </a:r>
+          </a:p>
+        </p:txBody>
+      </p:sp>
+      <p:sp>
+        <p:nvSpPr>
+          <p:cNvPr id="4" name="Slide Number Placeholder 3"/>
+          <p:cNvSpPr>
+            <a:spLocks noGrp="1"/>
+          </p:cNvSpPr>
+          <p:nvPr>
+            <p:ph type="sldNum" sz="quarter" idx="5"/>
+          </p:nvPr>
+        </p:nvSpPr>
+        <p:spPr/>
+        <p:txBody>
+          <a:bodyPr/>
+          <a:lstStyle/>
+          <a:p>
+            <a:fld id="{966EC296-AA85-584E-8224-F9A9CE703278}" type="slidenum">
+              <a:rPr lang="en-US" smtClean="0"/>
+              <a:t>13</a:t>
+            </a:fld>
+            <a:endParaRPr lang="en-US"/>
+          </a:p>
+        </p:txBody>
+      </p:sp>
+    </p:spTree>
+    <p:extLst>
+      <p:ext uri="{BB962C8B-B14F-4D97-AF65-F5344CB8AC3E}">
+        <p14:creationId xmlns:p14="http://schemas.microsoft.com/office/powerpoint/2010/main" val="4179714306"/>
+      </p:ext>
+    </p:extLst>
+  </p:cSld>
+  <p:clrMapOvr>
+    <a:masterClrMapping/>
+  </p:clrMapOvr>
+</p:notes>
+</file>
+
+<file path=ppt/notesSlides/notesSlide8.xml><?xml version="1.0" encoding="utf-8"?>
+<p:notes xmlns:a="http://schemas.openxmlformats.org/drawingml/2006/main" xmlns:r="http://schemas.openxmlformats.org/officeDocument/2006/relationships" xmlns:p="http://schemas.openxmlformats.org/presentationml/2006/main">
+  <p:cSld>
+    <p:spTree>
+      <p:nvGrpSpPr>
+        <p:cNvPr id="1" name=""/>
+        <p:cNvGrpSpPr/>
+        <p:nvPr/>
+      </p:nvGrpSpPr>
+      <p:grpSpPr>
+        <a:xfrm>
+          <a:off x="0" y="0"/>
+          <a:ext cx="0" cy="0"/>
+          <a:chOff x="0" y="0"/>
+          <a:chExt cx="0" cy="0"/>
+        </a:xfrm>
+      </p:grpSpPr>
+      <p:sp>
+        <p:nvSpPr>
+          <p:cNvPr id="2" name="Slide Image Placeholder 1"/>
+          <p:cNvSpPr>
+            <a:spLocks noGrp="1" noRot="1" noChangeAspect="1"/>
+          </p:cNvSpPr>
+          <p:nvPr>
+            <p:ph type="sldImg"/>
+          </p:nvPr>
+        </p:nvSpPr>
+        <p:spPr/>
+      </p:sp>
+      <p:sp>
+        <p:nvSpPr>
+          <p:cNvPr id="3" name="Notes Placeholder 2"/>
+          <p:cNvSpPr>
+            <a:spLocks noGrp="1"/>
+          </p:cNvSpPr>
+          <p:nvPr>
+            <p:ph type="body" idx="1"/>
+          </p:nvPr>
+        </p:nvSpPr>
+        <p:spPr/>
+        <p:txBody>
+          <a:bodyPr/>
+          <a:lstStyle/>
+          <a:p>
+            <a:r>
+              <a:rPr lang="en-US" dirty="0"/>
+              <a:t>- It comprises of a superconducting solenoid, which generate an inner magnetic field of 3.8T and an outer magnetic field of 2T</a:t>
+            </a:r>
+          </a:p>
+        </p:txBody>
+      </p:sp>
+      <p:sp>
+        <p:nvSpPr>
+          <p:cNvPr id="4" name="Slide Number Placeholder 3"/>
+          <p:cNvSpPr>
+            <a:spLocks noGrp="1"/>
+          </p:cNvSpPr>
+          <p:nvPr>
+            <p:ph type="sldNum" sz="quarter" idx="5"/>
+          </p:nvPr>
+        </p:nvSpPr>
+        <p:spPr/>
+        <p:txBody>
+          <a:bodyPr/>
+          <a:lstStyle/>
+          <a:p>
+            <a:fld id="{966EC296-AA85-584E-8224-F9A9CE703278}" type="slidenum">
+              <a:rPr lang="en-US" smtClean="0"/>
+              <a:t>14</a:t>
+            </a:fld>
+            <a:endParaRPr lang="en-US"/>
+          </a:p>
+        </p:txBody>
+      </p:sp>
+    </p:spTree>
+    <p:extLst>
+      <p:ext uri="{BB962C8B-B14F-4D97-AF65-F5344CB8AC3E}">
+        <p14:creationId xmlns:p14="http://schemas.microsoft.com/office/powerpoint/2010/main" val="2841202491"/>
+      </p:ext>
+    </p:extLst>
+  </p:cSld>
+  <p:clrMapOvr>
+    <a:masterClrMapping/>
+  </p:clrMapOvr>
+</p:notes>
+</file>
+
+<file path=ppt/notesSlides/notesSlide9.xml><?xml version="1.0" encoding="utf-8"?>
+<p:notes xmlns:a="http://schemas.openxmlformats.org/drawingml/2006/main" xmlns:r="http://schemas.openxmlformats.org/officeDocument/2006/relationships" xmlns:p="http://schemas.openxmlformats.org/presentationml/2006/main">
+  <p:cSld>
+    <p:spTree>
+      <p:nvGrpSpPr>
+        <p:cNvPr id="1" name=""/>
+        <p:cNvGrpSpPr/>
+        <p:nvPr/>
+      </p:nvGrpSpPr>
+      <p:grpSpPr>
+        <a:xfrm>
+          <a:off x="0" y="0"/>
+          <a:ext cx="0" cy="0"/>
+          <a:chOff x="0" y="0"/>
+          <a:chExt cx="0" cy="0"/>
+        </a:xfrm>
+      </p:grpSpPr>
+      <p:sp>
+        <p:nvSpPr>
+          <p:cNvPr id="2" name="Slide Image Placeholder 1"/>
+          <p:cNvSpPr>
+            <a:spLocks noGrp="1" noRot="1" noChangeAspect="1"/>
+          </p:cNvSpPr>
+          <p:nvPr>
+            <p:ph type="sldImg"/>
+          </p:nvPr>
+        </p:nvSpPr>
+        <p:spPr/>
+      </p:sp>
+      <p:sp>
+        <p:nvSpPr>
+          <p:cNvPr id="3" name="Notes Placeholder 2"/>
+          <p:cNvSpPr>
+            <a:spLocks noGrp="1"/>
+          </p:cNvSpPr>
+          <p:nvPr>
+            <p:ph type="body" idx="1"/>
+          </p:nvPr>
+        </p:nvSpPr>
+        <p:spPr/>
+        <p:txBody>
+          <a:bodyPr/>
+          <a:lstStyle/>
+          <a:p>
+            <a:r>
+              <a:rPr lang="en-US" dirty="0"/>
+              <a:t>- Including the silicon tracker, which register the curvature of the particle’s track, from which the charge of the particle is measured</a:t>
+            </a:r>
+          </a:p>
+        </p:txBody>
+      </p:sp>
+      <p:sp>
+        <p:nvSpPr>
+          <p:cNvPr id="4" name="Slide Number Placeholder 3"/>
+          <p:cNvSpPr>
+            <a:spLocks noGrp="1"/>
+          </p:cNvSpPr>
+          <p:nvPr>
+            <p:ph type="sldNum" sz="quarter" idx="5"/>
+          </p:nvPr>
+        </p:nvSpPr>
+        <p:spPr/>
+        <p:txBody>
+          <a:bodyPr/>
+          <a:lstStyle/>
+          <a:p>
+            <a:fld id="{966EC296-AA85-584E-8224-F9A9CE703278}" type="slidenum">
+              <a:rPr lang="en-US" smtClean="0"/>
+              <a:t>16</a:t>
+            </a:fld>
+            <a:endParaRPr lang="en-US"/>
+          </a:p>
+        </p:txBody>
+      </p:sp>
+    </p:spTree>
+    <p:extLst>
+      <p:ext uri="{BB962C8B-B14F-4D97-AF65-F5344CB8AC3E}">
+        <p14:creationId xmlns:p14="http://schemas.microsoft.com/office/powerpoint/2010/main" val="221073963"/>
       </p:ext>
     </p:extLst>
   </p:cSld>
@@ -12919,7 +14532,7 @@
             <a:fld id="{663B815B-A8F6-D74A-9BCF-ECE7300C0FDA}" type="datetimeFigureOut">
               <a:rPr lang="en-US" smtClean="0"/>
               <a:pPr/>
-              <a:t>4/20/25</a:t>
+              <a:t>4/21/25</a:t>
             </a:fld>
             <a:endParaRPr lang="en-US" dirty="0"/>
           </a:p>
@@ -13520,7 +15133,7 @@
             <a:fld id="{663B815B-A8F6-D74A-9BCF-ECE7300C0FDA}" type="datetimeFigureOut">
               <a:rPr lang="en-US" smtClean="0"/>
               <a:pPr/>
-              <a:t>4/20/25</a:t>
+              <a:t>4/21/25</a:t>
             </a:fld>
             <a:endParaRPr lang="en-US" dirty="0"/>
           </a:p>
@@ -14110,7 +15723,7 @@
             <a:fld id="{663B815B-A8F6-D74A-9BCF-ECE7300C0FDA}" type="datetimeFigureOut">
               <a:rPr lang="en-US" smtClean="0"/>
               <a:pPr/>
-              <a:t>4/20/25</a:t>
+              <a:t>4/21/25</a:t>
             </a:fld>
             <a:endParaRPr lang="en-US" dirty="0"/>
           </a:p>
@@ -14700,7 +16313,7 @@
             <a:fld id="{663B815B-A8F6-D74A-9BCF-ECE7300C0FDA}" type="datetimeFigureOut">
               <a:rPr lang="en-US" smtClean="0"/>
               <a:pPr/>
-              <a:t>4/20/25</a:t>
+              <a:t>4/21/25</a:t>
             </a:fld>
             <a:endParaRPr lang="en-US" dirty="0"/>
           </a:p>
@@ -15136,8 +16749,8 @@
           <a:chExt cx="0" cy="0"/>
         </a:xfrm>
       </p:grpSpPr>
-      <mc:AlternateContent xmlns:mc="http://schemas.openxmlformats.org/markup-compatibility/2006">
-        <mc:Choice xmlns:a14="http://schemas.microsoft.com/office/drawing/2010/main" Requires="a14">
+      <mc:AlternateContent xmlns:mc="http://schemas.openxmlformats.org/markup-compatibility/2006" xmlns:a14="http://schemas.microsoft.com/office/drawing/2010/main">
+        <mc:Choice Requires="a14">
           <p:sp>
             <p:nvSpPr>
               <p:cNvPr id="5" name="Title 4">
@@ -15269,7 +16882,7 @@
             </p:txBody>
           </p:sp>
         </mc:Choice>
-        <mc:Fallback>
+        <mc:Fallback xmlns="">
           <p:sp>
             <p:nvSpPr>
               <p:cNvPr id="5" name="Title 4">
@@ -15499,8 +17112,8 @@
           </a:p>
         </p:txBody>
       </p:sp>
-      <mc:AlternateContent xmlns:mc="http://schemas.openxmlformats.org/markup-compatibility/2006">
-        <mc:Choice xmlns:a14="http://schemas.microsoft.com/office/drawing/2010/main" Requires="a14">
+      <mc:AlternateContent xmlns:mc="http://schemas.openxmlformats.org/markup-compatibility/2006" xmlns:a14="http://schemas.microsoft.com/office/drawing/2010/main">
+        <mc:Choice Requires="a14">
           <p:sp>
             <p:nvSpPr>
               <p:cNvPr id="3" name="Text Placeholder 2">
@@ -15548,7 +17161,7 @@
             </p:txBody>
           </p:sp>
         </mc:Choice>
-        <mc:Fallback>
+        <mc:Fallback xmlns="">
           <p:sp>
             <p:nvSpPr>
               <p:cNvPr id="3" name="Text Placeholder 2">
@@ -15733,7 +17346,7 @@
                 </a:pPr>
                 <a:r>
                   <a:rPr lang="en-US" b="0" dirty="0"/>
-                  <a:t>Others include: Drell-Yahn (</a:t>
+                  <a:t>Others include: </a:t>
                 </a:r>
                 <a14:m>
                   <m:oMath xmlns:m="http://schemas.openxmlformats.org/officeDocument/2006/math">
@@ -15790,7 +17403,7 @@
                 </a14:m>
                 <a:r>
                   <a:rPr lang="en-US" b="0" dirty="0"/>
-                  <a:t>) and </a:t>
+                  <a:t> and </a:t>
                 </a:r>
                 <a14:m>
                   <m:oMath xmlns:m="http://schemas.openxmlformats.org/officeDocument/2006/math">
@@ -15847,7 +17460,7 @@
             </p:nvSpPr>
             <p:spPr>
               <a:blipFill>
-                <a:blip r:embed="rId2"/>
+                <a:blip r:embed="rId3"/>
                 <a:stretch>
                   <a:fillRect l="-2283" t="-875" r="-3653"/>
                 </a:stretch>
@@ -15885,7 +17498,7 @@
           </p:nvPr>
         </p:nvPicPr>
         <p:blipFill rotWithShape="1">
-          <a:blip r:embed="rId3"/>
+          <a:blip r:embed="rId4"/>
           <a:srcRect/>
           <a:stretch/>
         </p:blipFill>
@@ -15960,8 +17573,8 @@
           </a:p>
         </p:txBody>
       </p:sp>
-      <mc:AlternateContent xmlns:mc="http://schemas.openxmlformats.org/markup-compatibility/2006">
-        <mc:Choice xmlns:a14="http://schemas.microsoft.com/office/drawing/2010/main" Requires="a14">
+      <mc:AlternateContent xmlns:mc="http://schemas.openxmlformats.org/markup-compatibility/2006" xmlns:a14="http://schemas.microsoft.com/office/drawing/2010/main">
+        <mc:Choice Requires="a14">
           <p:sp>
             <p:nvSpPr>
               <p:cNvPr id="3" name="Text Placeholder 2">
@@ -16118,7 +17731,7 @@
             </p:txBody>
           </p:sp>
         </mc:Choice>
-        <mc:Fallback>
+        <mc:Fallback xmlns="">
           <p:sp>
             <p:nvSpPr>
               <p:cNvPr id="3" name="Text Placeholder 2">
@@ -16299,7 +17912,7 @@
           </p:nvPr>
         </p:nvPicPr>
         <p:blipFill rotWithShape="1">
-          <a:blip r:embed="rId2"/>
+          <a:blip r:embed="rId3"/>
           <a:srcRect/>
           <a:stretch/>
         </p:blipFill>
@@ -16374,8 +17987,8 @@
           </a:p>
         </p:txBody>
       </p:sp>
-      <mc:AlternateContent xmlns:mc="http://schemas.openxmlformats.org/markup-compatibility/2006">
-        <mc:Choice xmlns:a14="http://schemas.microsoft.com/office/drawing/2010/main" Requires="a14">
+      <mc:AlternateContent xmlns:mc="http://schemas.openxmlformats.org/markup-compatibility/2006" xmlns:a14="http://schemas.microsoft.com/office/drawing/2010/main">
+        <mc:Choice Requires="a14">
           <p:sp>
             <p:nvSpPr>
               <p:cNvPr id="3" name="Text Placeholder 2">
@@ -16442,7 +18055,7 @@
             </p:txBody>
           </p:sp>
         </mc:Choice>
-        <mc:Fallback>
+        <mc:Fallback xmlns="">
           <p:sp>
             <p:nvSpPr>
               <p:cNvPr id="3" name="Text Placeholder 2">
@@ -16461,7 +18074,7 @@
             </p:nvSpPr>
             <p:spPr>
               <a:blipFill>
-                <a:blip r:embed="rId2"/>
+                <a:blip r:embed="rId3"/>
                 <a:stretch>
                   <a:fillRect l="-2283" t="-875" r="-2968"/>
                 </a:stretch>
@@ -16499,7 +18112,7 @@
           </p:nvPr>
         </p:nvPicPr>
         <p:blipFill rotWithShape="1">
-          <a:blip r:embed="rId3"/>
+          <a:blip r:embed="rId4"/>
           <a:srcRect/>
           <a:stretch/>
         </p:blipFill>
@@ -16626,8 +18239,8 @@
           </a:p>
         </p:txBody>
       </p:sp>
-      <mc:AlternateContent xmlns:mc="http://schemas.openxmlformats.org/markup-compatibility/2006">
-        <mc:Choice xmlns:a14="http://schemas.microsoft.com/office/drawing/2010/main" Requires="a14">
+      <mc:AlternateContent xmlns:mc="http://schemas.openxmlformats.org/markup-compatibility/2006" xmlns:a14="http://schemas.microsoft.com/office/drawing/2010/main">
+        <mc:Choice Requires="a14">
           <p:sp>
             <p:nvSpPr>
               <p:cNvPr id="3" name="Text Placeholder 2">
@@ -16704,7 +18317,7 @@
             </p:txBody>
           </p:sp>
         </mc:Choice>
-        <mc:Fallback>
+        <mc:Fallback xmlns="">
           <p:sp>
             <p:nvSpPr>
               <p:cNvPr id="3" name="Text Placeholder 2">
@@ -16830,8 +18443,8 @@
           </a:p>
         </p:txBody>
       </p:sp>
-      <mc:AlternateContent xmlns:mc="http://schemas.openxmlformats.org/markup-compatibility/2006">
-        <mc:Choice xmlns:a14="http://schemas.microsoft.com/office/drawing/2010/main" Requires="a14">
+      <mc:AlternateContent xmlns:mc="http://schemas.openxmlformats.org/markup-compatibility/2006" xmlns:a14="http://schemas.microsoft.com/office/drawing/2010/main">
+        <mc:Choice Requires="a14">
           <p:sp>
             <p:nvSpPr>
               <p:cNvPr id="3" name="Text Placeholder 2">
@@ -16908,7 +18521,7 @@
             </p:txBody>
           </p:sp>
         </mc:Choice>
-        <mc:Fallback>
+        <mc:Fallback xmlns="">
           <p:sp>
             <p:nvSpPr>
               <p:cNvPr id="3" name="Text Placeholder 2">
@@ -16927,7 +18540,7 @@
             </p:nvSpPr>
             <p:spPr>
               <a:blipFill>
-                <a:blip r:embed="rId2"/>
+                <a:blip r:embed="rId3"/>
                 <a:stretch>
                   <a:fillRect l="-2283" t="-875" r="-2968"/>
                 </a:stretch>
@@ -16965,7 +18578,7 @@
           </p:nvPr>
         </p:nvPicPr>
         <p:blipFill rotWithShape="1">
-          <a:blip r:embed="rId3"/>
+          <a:blip r:embed="rId4"/>
           <a:srcRect/>
           <a:stretch/>
         </p:blipFill>
@@ -17092,8 +18705,8 @@
           </a:p>
         </p:txBody>
       </p:sp>
-      <mc:AlternateContent xmlns:mc="http://schemas.openxmlformats.org/markup-compatibility/2006">
-        <mc:Choice xmlns:a14="http://schemas.microsoft.com/office/drawing/2010/main" Requires="a14">
+      <mc:AlternateContent xmlns:mc="http://schemas.openxmlformats.org/markup-compatibility/2006" xmlns:a14="http://schemas.microsoft.com/office/drawing/2010/main">
+        <mc:Choice Requires="a14">
           <p:sp>
             <p:nvSpPr>
               <p:cNvPr id="3" name="Text Placeholder 2">
@@ -17170,7 +18783,7 @@
             </p:txBody>
           </p:sp>
         </mc:Choice>
-        <mc:Fallback>
+        <mc:Fallback xmlns="">
           <p:sp>
             <p:nvSpPr>
               <p:cNvPr id="3" name="Text Placeholder 2">
@@ -17189,7 +18802,7 @@
             </p:nvSpPr>
             <p:spPr>
               <a:blipFill>
-                <a:blip r:embed="rId2"/>
+                <a:blip r:embed="rId3"/>
                 <a:stretch>
                   <a:fillRect l="-2283" t="-875" r="-2968"/>
                 </a:stretch>
@@ -17227,7 +18840,7 @@
           </p:nvPr>
         </p:nvPicPr>
         <p:blipFill rotWithShape="1">
-          <a:blip r:embed="rId3"/>
+          <a:blip r:embed="rId4"/>
           <a:srcRect/>
           <a:stretch/>
         </p:blipFill>
@@ -17354,8 +18967,8 @@
           </a:p>
         </p:txBody>
       </p:sp>
-      <mc:AlternateContent xmlns:mc="http://schemas.openxmlformats.org/markup-compatibility/2006">
-        <mc:Choice xmlns:a14="http://schemas.microsoft.com/office/drawing/2010/main" Requires="a14">
+      <mc:AlternateContent xmlns:mc="http://schemas.openxmlformats.org/markup-compatibility/2006" xmlns:a14="http://schemas.microsoft.com/office/drawing/2010/main">
+        <mc:Choice Requires="a14">
           <p:sp>
             <p:nvSpPr>
               <p:cNvPr id="3" name="Text Placeholder 2">
@@ -17432,7 +19045,7 @@
             </p:txBody>
           </p:sp>
         </mc:Choice>
-        <mc:Fallback>
+        <mc:Fallback xmlns="">
           <p:sp>
             <p:nvSpPr>
               <p:cNvPr id="3" name="Text Placeholder 2">
@@ -17451,7 +19064,7 @@
             </p:nvSpPr>
             <p:spPr>
               <a:blipFill>
-                <a:blip r:embed="rId2"/>
+                <a:blip r:embed="rId3"/>
                 <a:stretch>
                   <a:fillRect l="-2283" t="-875" r="-2968"/>
                 </a:stretch>
@@ -17489,7 +19102,7 @@
           </p:nvPr>
         </p:nvPicPr>
         <p:blipFill rotWithShape="1">
-          <a:blip r:embed="rId3"/>
+          <a:blip r:embed="rId4"/>
           <a:srcRect/>
           <a:stretch/>
         </p:blipFill>
@@ -17616,8 +19229,8 @@
           </a:p>
         </p:txBody>
       </p:sp>
-      <mc:AlternateContent xmlns:mc="http://schemas.openxmlformats.org/markup-compatibility/2006">
-        <mc:Choice xmlns:a14="http://schemas.microsoft.com/office/drawing/2010/main" Requires="a14">
+      <mc:AlternateContent xmlns:mc="http://schemas.openxmlformats.org/markup-compatibility/2006" xmlns:a14="http://schemas.microsoft.com/office/drawing/2010/main">
+        <mc:Choice Requires="a14">
           <p:sp>
             <p:nvSpPr>
               <p:cNvPr id="3" name="Text Placeholder 2">
@@ -17694,7 +19307,7 @@
             </p:txBody>
           </p:sp>
         </mc:Choice>
-        <mc:Fallback>
+        <mc:Fallback xmlns="">
           <p:sp>
             <p:nvSpPr>
               <p:cNvPr id="3" name="Text Placeholder 2">
@@ -17713,7 +19326,7 @@
             </p:nvSpPr>
             <p:spPr>
               <a:blipFill>
-                <a:blip r:embed="rId2"/>
+                <a:blip r:embed="rId3"/>
                 <a:stretch>
                   <a:fillRect l="-2283" t="-875" r="-2968"/>
                 </a:stretch>
@@ -17751,7 +19364,7 @@
           </p:nvPr>
         </p:nvPicPr>
         <p:blipFill rotWithShape="1">
-          <a:blip r:embed="rId3"/>
+          <a:blip r:embed="rId4"/>
           <a:srcRect/>
           <a:stretch/>
         </p:blipFill>
@@ -17921,7 +19534,7 @@
           </p:nvPr>
         </p:nvPicPr>
         <p:blipFill rotWithShape="1">
-          <a:blip r:embed="rId2"/>
+          <a:blip r:embed="rId3"/>
           <a:srcRect/>
           <a:stretch/>
         </p:blipFill>
@@ -17996,8 +19609,8 @@
           </a:p>
         </p:txBody>
       </p:sp>
-      <mc:AlternateContent xmlns:mc="http://schemas.openxmlformats.org/markup-compatibility/2006">
-        <mc:Choice xmlns:a14="http://schemas.microsoft.com/office/drawing/2010/main" Requires="a14">
+      <mc:AlternateContent xmlns:mc="http://schemas.openxmlformats.org/markup-compatibility/2006" xmlns:a14="http://schemas.microsoft.com/office/drawing/2010/main">
+        <mc:Choice Requires="a14">
           <p:sp>
             <p:nvSpPr>
               <p:cNvPr id="3" name="Text Placeholder 2">
@@ -18185,7 +19798,7 @@
             </p:txBody>
           </p:sp>
         </mc:Choice>
-        <mc:Fallback>
+        <mc:Fallback xmlns="">
           <p:sp>
             <p:nvSpPr>
               <p:cNvPr id="3" name="Text Placeholder 2">
@@ -18317,8 +19930,8 @@
           </a:p>
         </p:txBody>
       </p:sp>
-      <mc:AlternateContent xmlns:mc="http://schemas.openxmlformats.org/markup-compatibility/2006">
-        <mc:Choice xmlns:a14="http://schemas.microsoft.com/office/drawing/2010/main" Requires="a14">
+      <mc:AlternateContent xmlns:mc="http://schemas.openxmlformats.org/markup-compatibility/2006" xmlns:a14="http://schemas.microsoft.com/office/drawing/2010/main">
+        <mc:Choice Requires="a14">
           <p:sp>
             <p:nvSpPr>
               <p:cNvPr id="3" name="Text Placeholder 2">
@@ -18662,7 +20275,7 @@
             </p:txBody>
           </p:sp>
         </mc:Choice>
-        <mc:Fallback>
+        <mc:Fallback xmlns="">
           <p:sp>
             <p:nvSpPr>
               <p:cNvPr id="3" name="Text Placeholder 2">
@@ -18681,7 +20294,7 @@
             </p:nvSpPr>
             <p:spPr>
               <a:blipFill>
-                <a:blip r:embed="rId2"/>
+                <a:blip r:embed="rId3"/>
                 <a:stretch>
                   <a:fillRect l="-2283" t="-875" r="-2968"/>
                 </a:stretch>
@@ -18719,7 +20332,7 @@
           </p:nvPr>
         </p:nvPicPr>
         <p:blipFill rotWithShape="1">
-          <a:blip r:embed="rId3"/>
+          <a:blip r:embed="rId4"/>
           <a:srcRect/>
           <a:stretch/>
         </p:blipFill>
@@ -18766,8 +20379,8 @@
           <a:chExt cx="0" cy="0"/>
         </a:xfrm>
       </p:grpSpPr>
-      <mc:AlternateContent xmlns:mc="http://schemas.openxmlformats.org/markup-compatibility/2006">
-        <mc:Choice xmlns:a14="http://schemas.microsoft.com/office/drawing/2010/main" Requires="a14">
+      <mc:AlternateContent xmlns:mc="http://schemas.openxmlformats.org/markup-compatibility/2006" xmlns:a14="http://schemas.microsoft.com/office/drawing/2010/main">
+        <mc:Choice Requires="a14">
           <p:sp>
             <p:nvSpPr>
               <p:cNvPr id="2" name="Text Placeholder 1">
@@ -18846,7 +20459,7 @@
             </p:txBody>
           </p:sp>
         </mc:Choice>
-        <mc:Fallback>
+        <mc:Fallback xmlns="">
           <p:sp>
             <p:nvSpPr>
               <p:cNvPr id="2" name="Text Placeholder 1">
@@ -18954,8 +20567,8 @@
           <a:chExt cx="0" cy="0"/>
         </a:xfrm>
       </p:grpSpPr>
-      <mc:AlternateContent xmlns:mc="http://schemas.openxmlformats.org/markup-compatibility/2006">
-        <mc:Choice xmlns:a14="http://schemas.microsoft.com/office/drawing/2010/main" Requires="a14">
+      <mc:AlternateContent xmlns:mc="http://schemas.openxmlformats.org/markup-compatibility/2006" xmlns:a14="http://schemas.microsoft.com/office/drawing/2010/main">
+        <mc:Choice Requires="a14">
           <p:sp>
             <p:nvSpPr>
               <p:cNvPr id="2" name="Text Placeholder 1">
@@ -19040,7 +20653,7 @@
             </p:txBody>
           </p:sp>
         </mc:Choice>
-        <mc:Fallback>
+        <mc:Fallback xmlns="">
           <p:sp>
             <p:nvSpPr>
               <p:cNvPr id="2" name="Text Placeholder 1">
@@ -19148,8 +20761,8 @@
           <a:chExt cx="0" cy="0"/>
         </a:xfrm>
       </p:grpSpPr>
-      <mc:AlternateContent xmlns:mc="http://schemas.openxmlformats.org/markup-compatibility/2006">
-        <mc:Choice xmlns:a14="http://schemas.microsoft.com/office/drawing/2010/main" Requires="a14">
+      <mc:AlternateContent xmlns:mc="http://schemas.openxmlformats.org/markup-compatibility/2006" xmlns:a14="http://schemas.microsoft.com/office/drawing/2010/main">
+        <mc:Choice Requires="a14">
           <p:sp>
             <p:nvSpPr>
               <p:cNvPr id="2" name="Text Placeholder 1">
@@ -19383,7 +20996,7 @@
             </p:txBody>
           </p:sp>
         </mc:Choice>
-        <mc:Fallback>
+        <mc:Fallback xmlns="">
           <p:sp>
             <p:nvSpPr>
               <p:cNvPr id="2" name="Text Placeholder 1">
@@ -19406,7 +21019,7 @@
                 <a:ext cx="5773030" cy="4351333"/>
               </a:xfrm>
               <a:blipFill>
-                <a:blip r:embed="rId2"/>
+                <a:blip r:embed="rId3"/>
                 <a:stretch>
                   <a:fillRect l="-2193" t="-875" r="-1974"/>
                 </a:stretch>
@@ -19491,8 +21104,8 @@
           <a:chExt cx="0" cy="0"/>
         </a:xfrm>
       </p:grpSpPr>
-      <mc:AlternateContent xmlns:mc="http://schemas.openxmlformats.org/markup-compatibility/2006">
-        <mc:Choice xmlns:a14="http://schemas.microsoft.com/office/drawing/2010/main" Requires="a14">
+      <mc:AlternateContent xmlns:mc="http://schemas.openxmlformats.org/markup-compatibility/2006" xmlns:a14="http://schemas.microsoft.com/office/drawing/2010/main">
+        <mc:Choice Requires="a14">
           <p:sp>
             <p:nvSpPr>
               <p:cNvPr id="2" name="Text Placeholder 1">
@@ -19870,7 +21483,7 @@
             </p:txBody>
           </p:sp>
         </mc:Choice>
-        <mc:Fallback>
+        <mc:Fallback xmlns="">
           <p:sp>
             <p:nvSpPr>
               <p:cNvPr id="2" name="Text Placeholder 1">
@@ -19893,7 +21506,7 @@
                 <a:ext cx="5773030" cy="4351333"/>
               </a:xfrm>
               <a:blipFill>
-                <a:blip r:embed="rId2"/>
+                <a:blip r:embed="rId3"/>
                 <a:stretch>
                   <a:fillRect l="-2193" t="-875" r="-1974"/>
                 </a:stretch>
@@ -19978,8 +21591,8 @@
           <a:chExt cx="0" cy="0"/>
         </a:xfrm>
       </p:grpSpPr>
-      <mc:AlternateContent xmlns:mc="http://schemas.openxmlformats.org/markup-compatibility/2006">
-        <mc:Choice xmlns:a14="http://schemas.microsoft.com/office/drawing/2010/main" Requires="a14">
+      <mc:AlternateContent xmlns:mc="http://schemas.openxmlformats.org/markup-compatibility/2006" xmlns:a14="http://schemas.microsoft.com/office/drawing/2010/main">
+        <mc:Choice Requires="a14">
           <p:sp>
             <p:nvSpPr>
               <p:cNvPr id="2" name="Text Placeholder 1">
@@ -20688,7 +22301,7 @@
             </p:txBody>
           </p:sp>
         </mc:Choice>
-        <mc:Fallback>
+        <mc:Fallback xmlns="">
           <p:sp>
             <p:nvSpPr>
               <p:cNvPr id="2" name="Text Placeholder 1">
@@ -20711,7 +22324,7 @@
                 <a:ext cx="5773030" cy="4351333"/>
               </a:xfrm>
               <a:blipFill>
-                <a:blip r:embed="rId2"/>
+                <a:blip r:embed="rId3"/>
                 <a:stretch>
                   <a:fillRect l="-2193" t="-875" r="-1974"/>
                 </a:stretch>
@@ -20796,8 +22409,8 @@
           <a:chExt cx="0" cy="0"/>
         </a:xfrm>
       </p:grpSpPr>
-      <mc:AlternateContent xmlns:mc="http://schemas.openxmlformats.org/markup-compatibility/2006">
-        <mc:Choice xmlns:a14="http://schemas.microsoft.com/office/drawing/2010/main" Requires="a14">
+      <mc:AlternateContent xmlns:mc="http://schemas.openxmlformats.org/markup-compatibility/2006" xmlns:a14="http://schemas.microsoft.com/office/drawing/2010/main">
+        <mc:Choice Requires="a14">
           <p:sp>
             <p:nvSpPr>
               <p:cNvPr id="2" name="Text Placeholder 1">
@@ -21506,7 +23119,7 @@
             </p:txBody>
           </p:sp>
         </mc:Choice>
-        <mc:Fallback>
+        <mc:Fallback xmlns="">
           <p:sp>
             <p:nvSpPr>
               <p:cNvPr id="2" name="Text Placeholder 1">
@@ -21529,7 +23142,7 @@
                 <a:ext cx="5773030" cy="4351333"/>
               </a:xfrm>
               <a:blipFill>
-                <a:blip r:embed="rId2"/>
+                <a:blip r:embed="rId3"/>
                 <a:stretch>
                   <a:fillRect l="-2193" t="-875" r="-1974"/>
                 </a:stretch>
@@ -21567,7 +23180,7 @@
           </p:nvPr>
         </p:nvPicPr>
         <p:blipFill rotWithShape="1">
-          <a:blip r:embed="rId3"/>
+          <a:blip r:embed="rId4"/>
           <a:srcRect/>
           <a:stretch/>
         </p:blipFill>
@@ -21670,8 +23283,8 @@
           </a:p>
         </p:txBody>
       </p:sp>
-      <mc:AlternateContent xmlns:mc="http://schemas.openxmlformats.org/markup-compatibility/2006">
-        <mc:Choice xmlns:a14="http://schemas.microsoft.com/office/drawing/2010/main" Requires="a14">
+      <mc:AlternateContent xmlns:mc="http://schemas.openxmlformats.org/markup-compatibility/2006" xmlns:a14="http://schemas.microsoft.com/office/drawing/2010/main">
+        <mc:Choice Requires="a14">
           <p:sp>
             <p:nvSpPr>
               <p:cNvPr id="3" name="Text Placeholder 2">
@@ -21908,7 +23521,7 @@
             </p:txBody>
           </p:sp>
         </mc:Choice>
-        <mc:Fallback>
+        <mc:Fallback xmlns="">
           <p:sp>
             <p:nvSpPr>
               <p:cNvPr id="3" name="Text Placeholder 2">
@@ -22286,7 +23899,7 @@
                 </a14:m>
                 <a:r>
                   <a:rPr lang="en-US" b="0" dirty="0"/>
-                  <a:t> of Drell-Yahn (</a:t>
+                  <a:t> of </a:t>
                 </a:r>
                 <a14:m>
                   <m:oMath xmlns:m="http://schemas.openxmlformats.org/officeDocument/2006/math">
@@ -22343,7 +23956,7 @@
                 </a14:m>
                 <a:r>
                   <a:rPr lang="en-US" b="0" dirty="0"/>
-                  <a:t>) and </a:t>
+                  <a:t> and </a:t>
                 </a:r>
                 <a14:m>
                   <m:oMath xmlns:m="http://schemas.openxmlformats.org/officeDocument/2006/math">
@@ -22474,7 +24087,7 @@
               <a:blipFill>
                 <a:blip r:embed="rId2"/>
                 <a:stretch>
-                  <a:fillRect l="-2283" t="-3315" r="-3881"/>
+                  <a:fillRect l="-2283" t="-3315" r="-1370"/>
                 </a:stretch>
               </a:blipFill>
             </p:spPr>
@@ -22961,7 +24574,7 @@
                 </a14:m>
                 <a:r>
                   <a:rPr lang="en-US" b="0" dirty="0"/>
-                  <a:t> of Drell-Yahn (</a:t>
+                  <a:t> of </a:t>
                 </a:r>
                 <a14:m>
                   <m:oMath xmlns:m="http://schemas.openxmlformats.org/officeDocument/2006/math">
@@ -23018,7 +24631,7 @@
                 </a14:m>
                 <a:r>
                   <a:rPr lang="en-US" b="0" dirty="0"/>
-                  <a:t>) and </a:t>
+                  <a:t> and </a:t>
                 </a:r>
                 <a14:m>
                   <m:oMath xmlns:m="http://schemas.openxmlformats.org/officeDocument/2006/math">
@@ -23173,7 +24786,7 @@
               <a:blipFill>
                 <a:blip r:embed="rId2"/>
                 <a:stretch>
-                  <a:fillRect l="-2283" t="-3315" r="-3881"/>
+                  <a:fillRect l="-2283" t="-3315" r="-1370"/>
                 </a:stretch>
               </a:blipFill>
             </p:spPr>
@@ -23526,7 +25139,7 @@
                 </a14:m>
                 <a:r>
                   <a:rPr lang="en-US" b="0" dirty="0"/>
-                  <a:t> of Drell-Yahn (</a:t>
+                  <a:t> of </a:t>
                 </a:r>
                 <a14:m>
                   <m:oMath xmlns:m="http://schemas.openxmlformats.org/officeDocument/2006/math">
@@ -23583,7 +25196,7 @@
                 </a14:m>
                 <a:r>
                   <a:rPr lang="en-US" b="0" dirty="0"/>
-                  <a:t>) and </a:t>
+                  <a:t> and </a:t>
                 </a:r>
                 <a14:m>
                   <m:oMath xmlns:m="http://schemas.openxmlformats.org/officeDocument/2006/math">
@@ -23836,7 +25449,7 @@
               <a:blipFill>
                 <a:blip r:embed="rId2"/>
                 <a:stretch>
-                  <a:fillRect l="-2283" t="-3315" r="-3881"/>
+                  <a:fillRect l="-2283" t="-3315" r="-1370"/>
                 </a:stretch>
               </a:blipFill>
             </p:spPr>
@@ -24189,7 +25802,7 @@
                 </a14:m>
                 <a:r>
                   <a:rPr lang="en-US" b="0" dirty="0"/>
-                  <a:t> of Drell-Yahn (</a:t>
+                  <a:t> of </a:t>
                 </a:r>
                 <a14:m>
                   <m:oMath xmlns:m="http://schemas.openxmlformats.org/officeDocument/2006/math">
@@ -24246,7 +25859,7 @@
                 </a14:m>
                 <a:r>
                   <a:rPr lang="en-US" b="0" dirty="0"/>
-                  <a:t>) and </a:t>
+                  <a:t> and </a:t>
                 </a:r>
                 <a14:m>
                   <m:oMath xmlns:m="http://schemas.openxmlformats.org/officeDocument/2006/math">
@@ -24557,7 +26170,7 @@
               <a:blipFill>
                 <a:blip r:embed="rId2"/>
                 <a:stretch>
-                  <a:fillRect l="-2283" t="-3315" r="-3881"/>
+                  <a:fillRect l="-2283" t="-3315" r="-1370"/>
                 </a:stretch>
               </a:blipFill>
             </p:spPr>
@@ -24910,7 +26523,7 @@
                 </a14:m>
                 <a:r>
                   <a:rPr lang="en-US" b="0" dirty="0"/>
-                  <a:t> of Drell-Yahn (</a:t>
+                  <a:t> of </a:t>
                 </a:r>
                 <a14:m>
                   <m:oMath xmlns:m="http://schemas.openxmlformats.org/officeDocument/2006/math">
@@ -24967,7 +26580,7 @@
                 </a14:m>
                 <a:r>
                   <a:rPr lang="en-US" b="0" dirty="0"/>
-                  <a:t>) and </a:t>
+                  <a:t> and </a:t>
                 </a:r>
                 <a14:m>
                   <m:oMath xmlns:m="http://schemas.openxmlformats.org/officeDocument/2006/math">
@@ -25276,9 +26889,9 @@
                 <a:ext cx="5539170" cy="4595234"/>
               </a:xfrm>
               <a:blipFill>
-                <a:blip r:embed="rId2"/>
+                <a:blip r:embed="rId3"/>
                 <a:stretch>
-                  <a:fillRect l="-2283" t="-3315" r="-3881"/>
+                  <a:fillRect l="-2283" t="-3315" r="-1370"/>
                 </a:stretch>
               </a:blipFill>
             </p:spPr>
@@ -25314,7 +26927,7 @@
           </p:nvPr>
         </p:nvPicPr>
         <p:blipFill rotWithShape="1">
-          <a:blip r:embed="rId3"/>
+          <a:blip r:embed="rId4"/>
           <a:srcRect/>
           <a:stretch/>
         </p:blipFill>
@@ -25420,8 +27033,8 @@
           </a:p>
         </p:txBody>
       </p:sp>
-      <mc:AlternateContent xmlns:mc="http://schemas.openxmlformats.org/markup-compatibility/2006">
-        <mc:Choice xmlns:a14="http://schemas.microsoft.com/office/drawing/2010/main" Requires="a14">
+      <mc:AlternateContent xmlns:mc="http://schemas.openxmlformats.org/markup-compatibility/2006" xmlns:a14="http://schemas.microsoft.com/office/drawing/2010/main">
+        <mc:Choice Requires="a14">
           <p:sp>
             <p:nvSpPr>
               <p:cNvPr id="5" name="Oval 4">
@@ -25484,7 +27097,7 @@
             </p:txBody>
           </p:sp>
         </mc:Choice>
-        <mc:Fallback>
+        <mc:Fallback xmlns="">
           <p:sp>
             <p:nvSpPr>
               <p:cNvPr id="5" name="Oval 4">
@@ -25529,8 +27142,8 @@
           </p:sp>
         </mc:Fallback>
       </mc:AlternateContent>
-      <mc:AlternateContent xmlns:mc="http://schemas.openxmlformats.org/markup-compatibility/2006">
-        <mc:Choice xmlns:a14="http://schemas.microsoft.com/office/drawing/2010/main" Requires="a14">
+      <mc:AlternateContent xmlns:mc="http://schemas.openxmlformats.org/markup-compatibility/2006" xmlns:a14="http://schemas.microsoft.com/office/drawing/2010/main">
+        <mc:Choice Requires="a14">
           <p:sp>
             <p:nvSpPr>
               <p:cNvPr id="6" name="Oval 5">
@@ -25593,7 +27206,7 @@
             </p:txBody>
           </p:sp>
         </mc:Choice>
-        <mc:Fallback>
+        <mc:Fallback xmlns="">
           <p:sp>
             <p:nvSpPr>
               <p:cNvPr id="6" name="Oval 5">
@@ -25638,8 +27251,8 @@
           </p:sp>
         </mc:Fallback>
       </mc:AlternateContent>
-      <mc:AlternateContent xmlns:mc="http://schemas.openxmlformats.org/markup-compatibility/2006">
-        <mc:Choice xmlns:a14="http://schemas.microsoft.com/office/drawing/2010/main" Requires="a14">
+      <mc:AlternateContent xmlns:mc="http://schemas.openxmlformats.org/markup-compatibility/2006" xmlns:a14="http://schemas.microsoft.com/office/drawing/2010/main">
+        <mc:Choice Requires="a14">
           <p:sp>
             <p:nvSpPr>
               <p:cNvPr id="7" name="Oval 6">
@@ -25702,7 +27315,7 @@
             </p:txBody>
           </p:sp>
         </mc:Choice>
-        <mc:Fallback>
+        <mc:Fallback xmlns="">
           <p:sp>
             <p:nvSpPr>
               <p:cNvPr id="7" name="Oval 6">
@@ -25747,8 +27360,8 @@
           </p:sp>
         </mc:Fallback>
       </mc:AlternateContent>
-      <mc:AlternateContent xmlns:mc="http://schemas.openxmlformats.org/markup-compatibility/2006">
-        <mc:Choice xmlns:a14="http://schemas.microsoft.com/office/drawing/2010/main" Requires="a14">
+      <mc:AlternateContent xmlns:mc="http://schemas.openxmlformats.org/markup-compatibility/2006" xmlns:a14="http://schemas.microsoft.com/office/drawing/2010/main">
+        <mc:Choice Requires="a14">
           <p:sp>
             <p:nvSpPr>
               <p:cNvPr id="8" name="Oval 7">
@@ -25811,7 +27424,7 @@
             </p:txBody>
           </p:sp>
         </mc:Choice>
-        <mc:Fallback>
+        <mc:Fallback xmlns="">
           <p:sp>
             <p:nvSpPr>
               <p:cNvPr id="8" name="Oval 7">
@@ -26994,8 +28607,8 @@
           </a:p>
         </p:txBody>
       </p:sp>
-      <mc:AlternateContent xmlns:mc="http://schemas.openxmlformats.org/markup-compatibility/2006">
-        <mc:Choice xmlns:a14="http://schemas.microsoft.com/office/drawing/2010/main" Requires="a14">
+      <mc:AlternateContent xmlns:mc="http://schemas.openxmlformats.org/markup-compatibility/2006" xmlns:a14="http://schemas.microsoft.com/office/drawing/2010/main">
+        <mc:Choice Requires="a14">
           <p:sp>
             <p:nvSpPr>
               <p:cNvPr id="3" name="Text Placeholder 2">
@@ -27140,7 +28753,7 @@
             </p:txBody>
           </p:sp>
         </mc:Choice>
-        <mc:Fallback>
+        <mc:Fallback xmlns="">
           <p:sp>
             <p:nvSpPr>
               <p:cNvPr id="3" name="Text Placeholder 2">
@@ -27184,8 +28797,8 @@
           </p:sp>
         </mc:Fallback>
       </mc:AlternateContent>
-      <mc:AlternateContent xmlns:mc="http://schemas.openxmlformats.org/markup-compatibility/2006">
-        <mc:Choice xmlns:a14="http://schemas.microsoft.com/office/drawing/2010/main" Requires="a14">
+      <mc:AlternateContent xmlns:mc="http://schemas.openxmlformats.org/markup-compatibility/2006" xmlns:a14="http://schemas.microsoft.com/office/drawing/2010/main">
+        <mc:Choice Requires="a14">
           <p:sp>
             <p:nvSpPr>
               <p:cNvPr id="5" name="Oval 4">
@@ -27248,7 +28861,7 @@
             </p:txBody>
           </p:sp>
         </mc:Choice>
-        <mc:Fallback>
+        <mc:Fallback xmlns="">
           <p:sp>
             <p:nvSpPr>
               <p:cNvPr id="5" name="Oval 4">
@@ -27293,8 +28906,8 @@
           </p:sp>
         </mc:Fallback>
       </mc:AlternateContent>
-      <mc:AlternateContent xmlns:mc="http://schemas.openxmlformats.org/markup-compatibility/2006">
-        <mc:Choice xmlns:a14="http://schemas.microsoft.com/office/drawing/2010/main" Requires="a14">
+      <mc:AlternateContent xmlns:mc="http://schemas.openxmlformats.org/markup-compatibility/2006" xmlns:a14="http://schemas.microsoft.com/office/drawing/2010/main">
+        <mc:Choice Requires="a14">
           <p:sp>
             <p:nvSpPr>
               <p:cNvPr id="6" name="Oval 5">
@@ -27357,7 +28970,7 @@
             </p:txBody>
           </p:sp>
         </mc:Choice>
-        <mc:Fallback>
+        <mc:Fallback xmlns="">
           <p:sp>
             <p:nvSpPr>
               <p:cNvPr id="6" name="Oval 5">
@@ -27402,8 +29015,8 @@
           </p:sp>
         </mc:Fallback>
       </mc:AlternateContent>
-      <mc:AlternateContent xmlns:mc="http://schemas.openxmlformats.org/markup-compatibility/2006">
-        <mc:Choice xmlns:a14="http://schemas.microsoft.com/office/drawing/2010/main" Requires="a14">
+      <mc:AlternateContent xmlns:mc="http://schemas.openxmlformats.org/markup-compatibility/2006" xmlns:a14="http://schemas.microsoft.com/office/drawing/2010/main">
+        <mc:Choice Requires="a14">
           <p:sp>
             <p:nvSpPr>
               <p:cNvPr id="7" name="Oval 6">
@@ -27466,7 +29079,7 @@
             </p:txBody>
           </p:sp>
         </mc:Choice>
-        <mc:Fallback>
+        <mc:Fallback xmlns="">
           <p:sp>
             <p:nvSpPr>
               <p:cNvPr id="7" name="Oval 6">
@@ -27511,8 +29124,8 @@
           </p:sp>
         </mc:Fallback>
       </mc:AlternateContent>
-      <mc:AlternateContent xmlns:mc="http://schemas.openxmlformats.org/markup-compatibility/2006">
-        <mc:Choice xmlns:a14="http://schemas.microsoft.com/office/drawing/2010/main" Requires="a14">
+      <mc:AlternateContent xmlns:mc="http://schemas.openxmlformats.org/markup-compatibility/2006" xmlns:a14="http://schemas.microsoft.com/office/drawing/2010/main">
+        <mc:Choice Requires="a14">
           <p:sp>
             <p:nvSpPr>
               <p:cNvPr id="8" name="Oval 7">
@@ -27575,7 +29188,7 @@
             </p:txBody>
           </p:sp>
         </mc:Choice>
-        <mc:Fallback>
+        <mc:Fallback xmlns="">
           <p:sp>
             <p:nvSpPr>
               <p:cNvPr id="8" name="Oval 7">
@@ -28756,8 +30369,8 @@
           </a:p>
         </p:txBody>
       </p:sp>
-      <mc:AlternateContent xmlns:mc="http://schemas.openxmlformats.org/markup-compatibility/2006">
-        <mc:Choice xmlns:a14="http://schemas.microsoft.com/office/drawing/2010/main" Requires="a14">
+      <mc:AlternateContent xmlns:mc="http://schemas.openxmlformats.org/markup-compatibility/2006" xmlns:a14="http://schemas.microsoft.com/office/drawing/2010/main">
+        <mc:Choice Requires="a14">
           <p:sp>
             <p:nvSpPr>
               <p:cNvPr id="3" name="Text Placeholder 2">
@@ -28985,7 +30598,7 @@
             </p:txBody>
           </p:sp>
         </mc:Choice>
-        <mc:Fallback>
+        <mc:Fallback xmlns="">
           <p:sp>
             <p:nvSpPr>
               <p:cNvPr id="3" name="Text Placeholder 2">
@@ -29029,8 +30642,8 @@
           </p:sp>
         </mc:Fallback>
       </mc:AlternateContent>
-      <mc:AlternateContent xmlns:mc="http://schemas.openxmlformats.org/markup-compatibility/2006">
-        <mc:Choice xmlns:a14="http://schemas.microsoft.com/office/drawing/2010/main" Requires="a14">
+      <mc:AlternateContent xmlns:mc="http://schemas.openxmlformats.org/markup-compatibility/2006" xmlns:a14="http://schemas.microsoft.com/office/drawing/2010/main">
+        <mc:Choice Requires="a14">
           <p:sp>
             <p:nvSpPr>
               <p:cNvPr id="5" name="Oval 4">
@@ -29093,7 +30706,7 @@
             </p:txBody>
           </p:sp>
         </mc:Choice>
-        <mc:Fallback>
+        <mc:Fallback xmlns="">
           <p:sp>
             <p:nvSpPr>
               <p:cNvPr id="5" name="Oval 4">
@@ -29138,8 +30751,8 @@
           </p:sp>
         </mc:Fallback>
       </mc:AlternateContent>
-      <mc:AlternateContent xmlns:mc="http://schemas.openxmlformats.org/markup-compatibility/2006">
-        <mc:Choice xmlns:a14="http://schemas.microsoft.com/office/drawing/2010/main" Requires="a14">
+      <mc:AlternateContent xmlns:mc="http://schemas.openxmlformats.org/markup-compatibility/2006" xmlns:a14="http://schemas.microsoft.com/office/drawing/2010/main">
+        <mc:Choice Requires="a14">
           <p:sp>
             <p:nvSpPr>
               <p:cNvPr id="6" name="Oval 5">
@@ -29202,7 +30815,7 @@
             </p:txBody>
           </p:sp>
         </mc:Choice>
-        <mc:Fallback>
+        <mc:Fallback xmlns="">
           <p:sp>
             <p:nvSpPr>
               <p:cNvPr id="6" name="Oval 5">
@@ -29247,8 +30860,8 @@
           </p:sp>
         </mc:Fallback>
       </mc:AlternateContent>
-      <mc:AlternateContent xmlns:mc="http://schemas.openxmlformats.org/markup-compatibility/2006">
-        <mc:Choice xmlns:a14="http://schemas.microsoft.com/office/drawing/2010/main" Requires="a14">
+      <mc:AlternateContent xmlns:mc="http://schemas.openxmlformats.org/markup-compatibility/2006" xmlns:a14="http://schemas.microsoft.com/office/drawing/2010/main">
+        <mc:Choice Requires="a14">
           <p:sp>
             <p:nvSpPr>
               <p:cNvPr id="7" name="Oval 6">
@@ -29311,7 +30924,7 @@
             </p:txBody>
           </p:sp>
         </mc:Choice>
-        <mc:Fallback>
+        <mc:Fallback xmlns="">
           <p:sp>
             <p:nvSpPr>
               <p:cNvPr id="7" name="Oval 6">
@@ -29356,8 +30969,8 @@
           </p:sp>
         </mc:Fallback>
       </mc:AlternateContent>
-      <mc:AlternateContent xmlns:mc="http://schemas.openxmlformats.org/markup-compatibility/2006">
-        <mc:Choice xmlns:a14="http://schemas.microsoft.com/office/drawing/2010/main" Requires="a14">
+      <mc:AlternateContent xmlns:mc="http://schemas.openxmlformats.org/markup-compatibility/2006" xmlns:a14="http://schemas.microsoft.com/office/drawing/2010/main">
+        <mc:Choice Requires="a14">
           <p:sp>
             <p:nvSpPr>
               <p:cNvPr id="8" name="Oval 7">
@@ -29420,7 +31033,7 @@
             </p:txBody>
           </p:sp>
         </mc:Choice>
-        <mc:Fallback>
+        <mc:Fallback xmlns="">
           <p:sp>
             <p:nvSpPr>
               <p:cNvPr id="8" name="Oval 7">
@@ -30601,8 +32214,8 @@
           </a:p>
         </p:txBody>
       </p:sp>
-      <mc:AlternateContent xmlns:mc="http://schemas.openxmlformats.org/markup-compatibility/2006">
-        <mc:Choice xmlns:a14="http://schemas.microsoft.com/office/drawing/2010/main" Requires="a14">
+      <mc:AlternateContent xmlns:mc="http://schemas.openxmlformats.org/markup-compatibility/2006" xmlns:a14="http://schemas.microsoft.com/office/drawing/2010/main">
+        <mc:Choice Requires="a14">
           <p:sp>
             <p:nvSpPr>
               <p:cNvPr id="3" name="Text Placeholder 2">
@@ -30941,7 +32554,7 @@
             </p:txBody>
           </p:sp>
         </mc:Choice>
-        <mc:Fallback>
+        <mc:Fallback xmlns="">
           <p:sp>
             <p:nvSpPr>
               <p:cNvPr id="3" name="Text Placeholder 2">
@@ -30985,8 +32598,8 @@
           </p:sp>
         </mc:Fallback>
       </mc:AlternateContent>
-      <mc:AlternateContent xmlns:mc="http://schemas.openxmlformats.org/markup-compatibility/2006">
-        <mc:Choice xmlns:a14="http://schemas.microsoft.com/office/drawing/2010/main" Requires="a14">
+      <mc:AlternateContent xmlns:mc="http://schemas.openxmlformats.org/markup-compatibility/2006" xmlns:a14="http://schemas.microsoft.com/office/drawing/2010/main">
+        <mc:Choice Requires="a14">
           <p:sp>
             <p:nvSpPr>
               <p:cNvPr id="5" name="Oval 4">
@@ -31049,7 +32662,7 @@
             </p:txBody>
           </p:sp>
         </mc:Choice>
-        <mc:Fallback>
+        <mc:Fallback xmlns="">
           <p:sp>
             <p:nvSpPr>
               <p:cNvPr id="5" name="Oval 4">
@@ -31094,8 +32707,8 @@
           </p:sp>
         </mc:Fallback>
       </mc:AlternateContent>
-      <mc:AlternateContent xmlns:mc="http://schemas.openxmlformats.org/markup-compatibility/2006">
-        <mc:Choice xmlns:a14="http://schemas.microsoft.com/office/drawing/2010/main" Requires="a14">
+      <mc:AlternateContent xmlns:mc="http://schemas.openxmlformats.org/markup-compatibility/2006" xmlns:a14="http://schemas.microsoft.com/office/drawing/2010/main">
+        <mc:Choice Requires="a14">
           <p:sp>
             <p:nvSpPr>
               <p:cNvPr id="6" name="Oval 5">
@@ -31158,7 +32771,7 @@
             </p:txBody>
           </p:sp>
         </mc:Choice>
-        <mc:Fallback>
+        <mc:Fallback xmlns="">
           <p:sp>
             <p:nvSpPr>
               <p:cNvPr id="6" name="Oval 5">
@@ -31203,8 +32816,8 @@
           </p:sp>
         </mc:Fallback>
       </mc:AlternateContent>
-      <mc:AlternateContent xmlns:mc="http://schemas.openxmlformats.org/markup-compatibility/2006">
-        <mc:Choice xmlns:a14="http://schemas.microsoft.com/office/drawing/2010/main" Requires="a14">
+      <mc:AlternateContent xmlns:mc="http://schemas.openxmlformats.org/markup-compatibility/2006" xmlns:a14="http://schemas.microsoft.com/office/drawing/2010/main">
+        <mc:Choice Requires="a14">
           <p:sp>
             <p:nvSpPr>
               <p:cNvPr id="7" name="Oval 6">
@@ -31267,7 +32880,7 @@
             </p:txBody>
           </p:sp>
         </mc:Choice>
-        <mc:Fallback>
+        <mc:Fallback xmlns="">
           <p:sp>
             <p:nvSpPr>
               <p:cNvPr id="7" name="Oval 6">
@@ -31312,8 +32925,8 @@
           </p:sp>
         </mc:Fallback>
       </mc:AlternateContent>
-      <mc:AlternateContent xmlns:mc="http://schemas.openxmlformats.org/markup-compatibility/2006">
-        <mc:Choice xmlns:a14="http://schemas.microsoft.com/office/drawing/2010/main" Requires="a14">
+      <mc:AlternateContent xmlns:mc="http://schemas.openxmlformats.org/markup-compatibility/2006" xmlns:a14="http://schemas.microsoft.com/office/drawing/2010/main">
+        <mc:Choice Requires="a14">
           <p:sp>
             <p:nvSpPr>
               <p:cNvPr id="8" name="Oval 7">
@@ -31376,7 +32989,7 @@
             </p:txBody>
           </p:sp>
         </mc:Choice>
-        <mc:Fallback>
+        <mc:Fallback xmlns="">
           <p:sp>
             <p:nvSpPr>
               <p:cNvPr id="8" name="Oval 7">
@@ -32557,8 +34170,8 @@
           </a:p>
         </p:txBody>
       </p:sp>
-      <mc:AlternateContent xmlns:mc="http://schemas.openxmlformats.org/markup-compatibility/2006">
-        <mc:Choice xmlns:a14="http://schemas.microsoft.com/office/drawing/2010/main" Requires="a14">
+      <mc:AlternateContent xmlns:mc="http://schemas.openxmlformats.org/markup-compatibility/2006" xmlns:a14="http://schemas.microsoft.com/office/drawing/2010/main">
+        <mc:Choice Requires="a14">
           <p:sp>
             <p:nvSpPr>
               <p:cNvPr id="3" name="Text Placeholder 2">
@@ -32897,7 +34510,7 @@
             </p:txBody>
           </p:sp>
         </mc:Choice>
-        <mc:Fallback>
+        <mc:Fallback xmlns="">
           <p:sp>
             <p:nvSpPr>
               <p:cNvPr id="3" name="Text Placeholder 2">
@@ -32941,8 +34554,8 @@
           </p:sp>
         </mc:Fallback>
       </mc:AlternateContent>
-      <mc:AlternateContent xmlns:mc="http://schemas.openxmlformats.org/markup-compatibility/2006">
-        <mc:Choice xmlns:a14="http://schemas.microsoft.com/office/drawing/2010/main" Requires="a14">
+      <mc:AlternateContent xmlns:mc="http://schemas.openxmlformats.org/markup-compatibility/2006" xmlns:a14="http://schemas.microsoft.com/office/drawing/2010/main">
+        <mc:Choice Requires="a14">
           <p:sp>
             <p:nvSpPr>
               <p:cNvPr id="5" name="Oval 4">
@@ -33005,7 +34618,7 @@
             </p:txBody>
           </p:sp>
         </mc:Choice>
-        <mc:Fallback>
+        <mc:Fallback xmlns="">
           <p:sp>
             <p:nvSpPr>
               <p:cNvPr id="5" name="Oval 4">
@@ -33050,8 +34663,8 @@
           </p:sp>
         </mc:Fallback>
       </mc:AlternateContent>
-      <mc:AlternateContent xmlns:mc="http://schemas.openxmlformats.org/markup-compatibility/2006">
-        <mc:Choice xmlns:a14="http://schemas.microsoft.com/office/drawing/2010/main" Requires="a14">
+      <mc:AlternateContent xmlns:mc="http://schemas.openxmlformats.org/markup-compatibility/2006" xmlns:a14="http://schemas.microsoft.com/office/drawing/2010/main">
+        <mc:Choice Requires="a14">
           <p:sp>
             <p:nvSpPr>
               <p:cNvPr id="6" name="Oval 5">
@@ -33114,7 +34727,7 @@
             </p:txBody>
           </p:sp>
         </mc:Choice>
-        <mc:Fallback>
+        <mc:Fallback xmlns="">
           <p:sp>
             <p:nvSpPr>
               <p:cNvPr id="6" name="Oval 5">
@@ -33159,8 +34772,8 @@
           </p:sp>
         </mc:Fallback>
       </mc:AlternateContent>
-      <mc:AlternateContent xmlns:mc="http://schemas.openxmlformats.org/markup-compatibility/2006">
-        <mc:Choice xmlns:a14="http://schemas.microsoft.com/office/drawing/2010/main" Requires="a14">
+      <mc:AlternateContent xmlns:mc="http://schemas.openxmlformats.org/markup-compatibility/2006" xmlns:a14="http://schemas.microsoft.com/office/drawing/2010/main">
+        <mc:Choice Requires="a14">
           <p:sp>
             <p:nvSpPr>
               <p:cNvPr id="7" name="Oval 6">
@@ -33223,7 +34836,7 @@
             </p:txBody>
           </p:sp>
         </mc:Choice>
-        <mc:Fallback>
+        <mc:Fallback xmlns="">
           <p:sp>
             <p:nvSpPr>
               <p:cNvPr id="7" name="Oval 6">
@@ -33268,8 +34881,8 @@
           </p:sp>
         </mc:Fallback>
       </mc:AlternateContent>
-      <mc:AlternateContent xmlns:mc="http://schemas.openxmlformats.org/markup-compatibility/2006">
-        <mc:Choice xmlns:a14="http://schemas.microsoft.com/office/drawing/2010/main" Requires="a14">
+      <mc:AlternateContent xmlns:mc="http://schemas.openxmlformats.org/markup-compatibility/2006" xmlns:a14="http://schemas.microsoft.com/office/drawing/2010/main">
+        <mc:Choice Requires="a14">
           <p:sp>
             <p:nvSpPr>
               <p:cNvPr id="8" name="Oval 7">
@@ -33332,7 +34945,7 @@
             </p:txBody>
           </p:sp>
         </mc:Choice>
-        <mc:Fallback>
+        <mc:Fallback xmlns="">
           <p:sp>
             <p:nvSpPr>
               <p:cNvPr id="8" name="Oval 7">
@@ -34855,8 +36468,8 @@
           </a:p>
         </p:txBody>
       </p:sp>
-      <mc:AlternateContent xmlns:mc="http://schemas.openxmlformats.org/markup-compatibility/2006">
-        <mc:Choice xmlns:a14="http://schemas.microsoft.com/office/drawing/2010/main" Requires="a14">
+      <mc:AlternateContent xmlns:mc="http://schemas.openxmlformats.org/markup-compatibility/2006" xmlns:a14="http://schemas.microsoft.com/office/drawing/2010/main">
+        <mc:Choice Requires="a14">
           <p:sp>
             <p:nvSpPr>
               <p:cNvPr id="3" name="Text Placeholder 2">
@@ -34957,7 +36570,7 @@
             </p:txBody>
           </p:sp>
         </mc:Choice>
-        <mc:Fallback>
+        <mc:Fallback xmlns="">
           <p:sp>
             <p:nvSpPr>
               <p:cNvPr id="3" name="Text Placeholder 2">
@@ -35089,8 +36702,8 @@
           </a:p>
         </p:txBody>
       </p:sp>
-      <mc:AlternateContent xmlns:mc="http://schemas.openxmlformats.org/markup-compatibility/2006">
-        <mc:Choice xmlns:a14="http://schemas.microsoft.com/office/drawing/2010/main" Requires="a14">
+      <mc:AlternateContent xmlns:mc="http://schemas.openxmlformats.org/markup-compatibility/2006" xmlns:a14="http://schemas.microsoft.com/office/drawing/2010/main">
+        <mc:Choice Requires="a14">
           <p:sp>
             <p:nvSpPr>
               <p:cNvPr id="3" name="Text Placeholder 2">
@@ -35340,7 +36953,7 @@
             </p:txBody>
           </p:sp>
         </mc:Choice>
-        <mc:Fallback>
+        <mc:Fallback xmlns="">
           <p:sp>
             <p:nvSpPr>
               <p:cNvPr id="3" name="Text Placeholder 2">
@@ -35472,8 +37085,8 @@
           </a:p>
         </p:txBody>
       </p:sp>
-      <mc:AlternateContent xmlns:mc="http://schemas.openxmlformats.org/markup-compatibility/2006">
-        <mc:Choice xmlns:a14="http://schemas.microsoft.com/office/drawing/2010/main" Requires="a14">
+      <mc:AlternateContent xmlns:mc="http://schemas.openxmlformats.org/markup-compatibility/2006" xmlns:a14="http://schemas.microsoft.com/office/drawing/2010/main">
+        <mc:Choice Requires="a14">
           <p:sp>
             <p:nvSpPr>
               <p:cNvPr id="3" name="Text Placeholder 2">
@@ -35723,7 +37336,7 @@
             </p:txBody>
           </p:sp>
         </mc:Choice>
-        <mc:Fallback>
+        <mc:Fallback xmlns="">
           <p:sp>
             <p:nvSpPr>
               <p:cNvPr id="3" name="Text Placeholder 2">
@@ -35945,8 +37558,8 @@
           </a:p>
         </p:txBody>
       </p:sp>
-      <mc:AlternateContent xmlns:mc="http://schemas.openxmlformats.org/markup-compatibility/2006">
-        <mc:Choice xmlns:a14="http://schemas.microsoft.com/office/drawing/2010/main" Requires="a14">
+      <mc:AlternateContent xmlns:mc="http://schemas.openxmlformats.org/markup-compatibility/2006" xmlns:a14="http://schemas.microsoft.com/office/drawing/2010/main">
+        <mc:Choice Requires="a14">
           <p:sp>
             <p:nvSpPr>
               <p:cNvPr id="3" name="Text Placeholder 2">
@@ -36127,7 +37740,7 @@
             </p:txBody>
           </p:sp>
         </mc:Choice>
-        <mc:Fallback>
+        <mc:Fallback xmlns="">
           <p:sp>
             <p:nvSpPr>
               <p:cNvPr id="3" name="Text Placeholder 2">
@@ -36146,7 +37759,7 @@
             </p:nvSpPr>
             <p:spPr>
               <a:blipFill>
-                <a:blip r:embed="rId2"/>
+                <a:blip r:embed="rId3"/>
                 <a:stretch>
                   <a:fillRect l="-2283" t="-875"/>
                 </a:stretch>
@@ -36231,8 +37844,8 @@
           </a:p>
         </p:txBody>
       </p:sp>
-      <mc:AlternateContent xmlns:mc="http://schemas.openxmlformats.org/markup-compatibility/2006">
-        <mc:Choice xmlns:a14="http://schemas.microsoft.com/office/drawing/2010/main" Requires="a14">
+      <mc:AlternateContent xmlns:mc="http://schemas.openxmlformats.org/markup-compatibility/2006" xmlns:a14="http://schemas.microsoft.com/office/drawing/2010/main">
+        <mc:Choice Requires="a14">
           <p:sp>
             <p:nvSpPr>
               <p:cNvPr id="3" name="Text Placeholder 2">
@@ -36498,7 +38111,7 @@
             </p:txBody>
           </p:sp>
         </mc:Choice>
-        <mc:Fallback>
+        <mc:Fallback xmlns="">
           <p:sp>
             <p:nvSpPr>
               <p:cNvPr id="3" name="Text Placeholder 2">
@@ -36844,8 +38457,8 @@
           </a:p>
         </p:txBody>
       </p:sp>
-      <mc:AlternateContent xmlns:mc="http://schemas.openxmlformats.org/markup-compatibility/2006">
-        <mc:Choice xmlns:a14="http://schemas.microsoft.com/office/drawing/2010/main" Requires="a14">
+      <mc:AlternateContent xmlns:mc="http://schemas.openxmlformats.org/markup-compatibility/2006" xmlns:a14="http://schemas.microsoft.com/office/drawing/2010/main">
+        <mc:Choice Requires="a14">
           <p:sp>
             <p:nvSpPr>
               <p:cNvPr id="3" name="Text Placeholder 2">
@@ -36909,7 +38522,7 @@
             </p:txBody>
           </p:sp>
         </mc:Choice>
-        <mc:Fallback>
+        <mc:Fallback xmlns="">
           <p:sp>
             <p:nvSpPr>
               <p:cNvPr id="3" name="Text Placeholder 2">
@@ -37041,8 +38654,8 @@
           </a:p>
         </p:txBody>
       </p:sp>
-      <mc:AlternateContent xmlns:mc="http://schemas.openxmlformats.org/markup-compatibility/2006">
-        <mc:Choice xmlns:a14="http://schemas.microsoft.com/office/drawing/2010/main" Requires="a14">
+      <mc:AlternateContent xmlns:mc="http://schemas.openxmlformats.org/markup-compatibility/2006" xmlns:a14="http://schemas.microsoft.com/office/drawing/2010/main">
+        <mc:Choice Requires="a14">
           <p:sp>
             <p:nvSpPr>
               <p:cNvPr id="3" name="Text Placeholder 2">
@@ -37164,7 +38777,7 @@
             </p:txBody>
           </p:sp>
         </mc:Choice>
-        <mc:Fallback>
+        <mc:Fallback xmlns="">
           <p:sp>
             <p:nvSpPr>
               <p:cNvPr id="3" name="Text Placeholder 2">
@@ -37382,7 +38995,7 @@
           </p:nvPr>
         </p:nvPicPr>
         <p:blipFill rotWithShape="1">
-          <a:blip r:embed="rId2"/>
+          <a:blip r:embed="rId3"/>
           <a:srcRect/>
           <a:stretch/>
         </p:blipFill>
@@ -37503,8 +39116,8 @@
           </a:p>
         </p:txBody>
       </p:sp>
-      <mc:AlternateContent xmlns:mc="http://schemas.openxmlformats.org/markup-compatibility/2006">
-        <mc:Choice xmlns:a14="http://schemas.microsoft.com/office/drawing/2010/main" Requires="a14">
+      <mc:AlternateContent xmlns:mc="http://schemas.openxmlformats.org/markup-compatibility/2006" xmlns:a14="http://schemas.microsoft.com/office/drawing/2010/main">
+        <mc:Choice Requires="a14">
           <p:sp>
             <p:nvSpPr>
               <p:cNvPr id="3" name="Text Placeholder 2">
@@ -37680,7 +39293,7 @@
             </p:txBody>
           </p:sp>
         </mc:Choice>
-        <mc:Fallback>
+        <mc:Fallback xmlns="">
           <p:sp>
             <p:nvSpPr>
               <p:cNvPr id="3" name="Text Placeholder 2">
@@ -37852,7 +39465,7 @@
           </p:nvPr>
         </p:nvPicPr>
         <p:blipFill rotWithShape="1">
-          <a:blip r:embed="rId2"/>
+          <a:blip r:embed="rId3"/>
           <a:srcRect/>
           <a:stretch/>
         </p:blipFill>
@@ -37927,8 +39540,8 @@
           </a:p>
         </p:txBody>
       </p:sp>
-      <mc:AlternateContent xmlns:mc="http://schemas.openxmlformats.org/markup-compatibility/2006">
-        <mc:Choice xmlns:a14="http://schemas.microsoft.com/office/drawing/2010/main" Requires="a14">
+      <mc:AlternateContent xmlns:mc="http://schemas.openxmlformats.org/markup-compatibility/2006" xmlns:a14="http://schemas.microsoft.com/office/drawing/2010/main">
+        <mc:Choice Requires="a14">
           <p:sp>
             <p:nvSpPr>
               <p:cNvPr id="3" name="Text Placeholder 2">
@@ -37976,7 +39589,7 @@
             </p:txBody>
           </p:sp>
         </mc:Choice>
-        <mc:Fallback>
+        <mc:Fallback xmlns="">
           <p:sp>
             <p:nvSpPr>
               <p:cNvPr id="3" name="Text Placeholder 2">
@@ -37995,7 +39608,7 @@
             </p:nvSpPr>
             <p:spPr>
               <a:blipFill>
-                <a:blip r:embed="rId2"/>
+                <a:blip r:embed="rId3"/>
                 <a:stretch>
                   <a:fillRect l="-2283" t="-875"/>
                 </a:stretch>
@@ -38033,7 +39646,7 @@
           </p:nvPr>
         </p:nvPicPr>
         <p:blipFill rotWithShape="1">
-          <a:blip r:embed="rId3"/>
+          <a:blip r:embed="rId4"/>
           <a:srcRect/>
           <a:stretch/>
         </p:blipFill>
@@ -38108,8 +39721,8 @@
           </a:p>
         </p:txBody>
       </p:sp>
-      <mc:AlternateContent xmlns:mc="http://schemas.openxmlformats.org/markup-compatibility/2006">
-        <mc:Choice xmlns:a14="http://schemas.microsoft.com/office/drawing/2010/main" Requires="a14">
+      <mc:AlternateContent xmlns:mc="http://schemas.openxmlformats.org/markup-compatibility/2006" xmlns:a14="http://schemas.microsoft.com/office/drawing/2010/main">
+        <mc:Choice Requires="a14">
           <p:sp>
             <p:nvSpPr>
               <p:cNvPr id="3" name="Text Placeholder 2">
@@ -38181,7 +39794,7 @@
             </p:txBody>
           </p:sp>
         </mc:Choice>
-        <mc:Fallback>
+        <mc:Fallback xmlns="">
           <p:sp>
             <p:nvSpPr>
               <p:cNvPr id="3" name="Text Placeholder 2">
@@ -38313,8 +39926,8 @@
           </a:p>
         </p:txBody>
       </p:sp>
-      <mc:AlternateContent xmlns:mc="http://schemas.openxmlformats.org/markup-compatibility/2006">
-        <mc:Choice xmlns:a14="http://schemas.microsoft.com/office/drawing/2010/main" Requires="a14">
+      <mc:AlternateContent xmlns:mc="http://schemas.openxmlformats.org/markup-compatibility/2006" xmlns:a14="http://schemas.microsoft.com/office/drawing/2010/main">
+        <mc:Choice Requires="a14">
           <p:sp>
             <p:nvSpPr>
               <p:cNvPr id="3" name="Text Placeholder 2">
@@ -38396,7 +40009,7 @@
             </p:txBody>
           </p:sp>
         </mc:Choice>
-        <mc:Fallback>
+        <mc:Fallback xmlns="">
           <p:sp>
             <p:nvSpPr>
               <p:cNvPr id="3" name="Text Placeholder 2">
